--- a/CH4/Lesson04_Presentation.pptx
+++ b/CH4/Lesson04_Presentation.pptx
@@ -5,10 +5,10 @@
     <p:sldMasterId id="2147483648" r:id="rId1"/>
   </p:sldMasterIdLst>
   <p:notesMasterIdLst>
-    <p:notesMasterId r:id="rId30"/>
+    <p:notesMasterId r:id="rId33"/>
   </p:notesMasterIdLst>
   <p:handoutMasterIdLst>
-    <p:handoutMasterId r:id="rId31"/>
+    <p:handoutMasterId r:id="rId34"/>
   </p:handoutMasterIdLst>
   <p:sldIdLst>
     <p:sldId id="256" r:id="rId2"/>
@@ -39,6 +39,9 @@
     <p:sldId id="380" r:id="rId27"/>
     <p:sldId id="355" r:id="rId28"/>
     <p:sldId id="323" r:id="rId29"/>
+    <p:sldId id="381" r:id="rId30"/>
+    <p:sldId id="382" r:id="rId31"/>
+    <p:sldId id="383" r:id="rId32"/>
   </p:sldIdLst>
   <p:sldSz cx="12192000" cy="6858000"/>
   <p:notesSz cx="6858000" cy="9144000"/>
@@ -194,7 +197,7 @@
           <p:cNvPr id="2" name="Header Placeholder 1">
             <a:extLst>
               <a:ext uri="{FF2B5EF4-FFF2-40B4-BE49-F238E27FC236}">
-                <a16:creationId xmlns="" xmlns:a16="http://schemas.microsoft.com/office/drawing/2014/main" id="{87C1157E-F41D-D748-8B69-7140BA26C927}"/>
+                <a16:creationId xmlns:a16="http://schemas.microsoft.com/office/drawing/2014/main" xmlns="" id="{87C1157E-F41D-D748-8B69-7140BA26C927}"/>
               </a:ext>
             </a:extLst>
           </p:cNvPr>
@@ -231,7 +234,7 @@
           <p:cNvPr id="3" name="Date Placeholder 2">
             <a:extLst>
               <a:ext uri="{FF2B5EF4-FFF2-40B4-BE49-F238E27FC236}">
-                <a16:creationId xmlns="" xmlns:a16="http://schemas.microsoft.com/office/drawing/2014/main" id="{4C732F0C-C3BE-9347-8A3D-93C7DD35FCC6}"/>
+                <a16:creationId xmlns:a16="http://schemas.microsoft.com/office/drawing/2014/main" xmlns="" id="{4C732F0C-C3BE-9347-8A3D-93C7DD35FCC6}"/>
               </a:ext>
             </a:extLst>
           </p:cNvPr>
@@ -261,7 +264,7 @@
           <a:p>
             <a:fld id="{31EC103C-0C00-5144-B134-6065E402762D}" type="datetime1">
               <a:rPr lang="en-GB" smtClean="0"/>
-              <a:t>28/03/2019</a:t>
+              <a:t>29/03/2019</a:t>
             </a:fld>
             <a:endParaRPr lang="en-US"/>
           </a:p>
@@ -272,7 +275,7 @@
           <p:cNvPr id="4" name="Footer Placeholder 3">
             <a:extLst>
               <a:ext uri="{FF2B5EF4-FFF2-40B4-BE49-F238E27FC236}">
-                <a16:creationId xmlns="" xmlns:a16="http://schemas.microsoft.com/office/drawing/2014/main" id="{F1B9C81F-45DF-3942-B5BB-AFF64092936F}"/>
+                <a16:creationId xmlns:a16="http://schemas.microsoft.com/office/drawing/2014/main" xmlns="" id="{F1B9C81F-45DF-3942-B5BB-AFF64092936F}"/>
               </a:ext>
             </a:extLst>
           </p:cNvPr>
@@ -309,7 +312,7 @@
           <p:cNvPr id="5" name="Slide Number Placeholder 4">
             <a:extLst>
               <a:ext uri="{FF2B5EF4-FFF2-40B4-BE49-F238E27FC236}">
-                <a16:creationId xmlns="" xmlns:a16="http://schemas.microsoft.com/office/drawing/2014/main" id="{24C535E9-87A8-4E42-A7E7-ECCB491EE797}"/>
+                <a16:creationId xmlns:a16="http://schemas.microsoft.com/office/drawing/2014/main" xmlns="" id="{24C535E9-87A8-4E42-A7E7-ECCB491EE797}"/>
               </a:ext>
             </a:extLst>
           </p:cNvPr>
@@ -439,7 +442,7 @@
           <a:p>
             <a:fld id="{5897CFCD-DFD6-F34D-95F2-86875A23819B}" type="datetime1">
               <a:rPr lang="en-GB" smtClean="0"/>
-              <a:t>28/03/2019</a:t>
+              <a:t>29/03/2019</a:t>
             </a:fld>
             <a:endParaRPr lang="en-US"/>
           </a:p>
@@ -821,7 +824,7 @@
           <a:p>
             <a:fld id="{5897CFCD-DFD6-F34D-95F2-86875A23819B}" type="datetime1">
               <a:rPr lang="en-GB" smtClean="0"/>
-              <a:t>28/03/2019</a:t>
+              <a:t>29/03/2019</a:t>
             </a:fld>
             <a:endParaRPr lang="en-US"/>
           </a:p>
@@ -932,7 +935,7 @@
           <a:p>
             <a:fld id="{5897CFCD-DFD6-F34D-95F2-86875A23819B}" type="datetime1">
               <a:rPr lang="en-GB" smtClean="0"/>
-              <a:t>28/03/2019</a:t>
+              <a:t>29/03/2019</a:t>
             </a:fld>
             <a:endParaRPr lang="en-US"/>
           </a:p>
@@ -1039,7 +1042,7 @@
           <a:p>
             <a:fld id="{5897CFCD-DFD6-F34D-95F2-86875A23819B}" type="datetime1">
               <a:rPr lang="en-GB" smtClean="0"/>
-              <a:t>28/03/2019</a:t>
+              <a:t>29/03/2019</a:t>
             </a:fld>
             <a:endParaRPr lang="en-US"/>
           </a:p>
@@ -1146,7 +1149,7 @@
           <a:p>
             <a:fld id="{5897CFCD-DFD6-F34D-95F2-86875A23819B}" type="datetime1">
               <a:rPr lang="en-GB" smtClean="0"/>
-              <a:t>28/03/2019</a:t>
+              <a:t>29/03/2019</a:t>
             </a:fld>
             <a:endParaRPr lang="en-US"/>
           </a:p>
@@ -1253,7 +1256,7 @@
           <a:p>
             <a:fld id="{5897CFCD-DFD6-F34D-95F2-86875A23819B}" type="datetime1">
               <a:rPr lang="en-GB" smtClean="0"/>
-              <a:t>28/03/2019</a:t>
+              <a:t>29/03/2019</a:t>
             </a:fld>
             <a:endParaRPr lang="en-US"/>
           </a:p>
@@ -1366,7 +1369,7 @@
           <a:p>
             <a:fld id="{5897CFCD-DFD6-F34D-95F2-86875A23819B}" type="datetime1">
               <a:rPr lang="en-GB" smtClean="0"/>
-              <a:t>28/03/2019</a:t>
+              <a:t>29/03/2019</a:t>
             </a:fld>
             <a:endParaRPr lang="en-US"/>
           </a:p>
@@ -1498,7 +1501,7 @@
           <a:p>
             <a:fld id="{5897CFCD-DFD6-F34D-95F2-86875A23819B}" type="datetime1">
               <a:rPr lang="en-GB" smtClean="0"/>
-              <a:t>28/03/2019</a:t>
+              <a:t>29/03/2019</a:t>
             </a:fld>
             <a:endParaRPr lang="en-US"/>
           </a:p>
@@ -1630,7 +1633,7 @@
           <a:p>
             <a:fld id="{5897CFCD-DFD6-F34D-95F2-86875A23819B}" type="datetime1">
               <a:rPr lang="en-GB" smtClean="0"/>
-              <a:t>28/03/2019</a:t>
+              <a:t>29/03/2019</a:t>
             </a:fld>
             <a:endParaRPr lang="en-US"/>
           </a:p>
@@ -1762,7 +1765,7 @@
           <a:p>
             <a:fld id="{5897CFCD-DFD6-F34D-95F2-86875A23819B}" type="datetime1">
               <a:rPr lang="en-GB" smtClean="0"/>
-              <a:t>28/03/2019</a:t>
+              <a:t>29/03/2019</a:t>
             </a:fld>
             <a:endParaRPr lang="en-US"/>
           </a:p>
@@ -1894,7 +1897,7 @@
           <a:p>
             <a:fld id="{5897CFCD-DFD6-F34D-95F2-86875A23819B}" type="datetime1">
               <a:rPr lang="en-GB" smtClean="0"/>
-              <a:t>28/03/2019</a:t>
+              <a:t>29/03/2019</a:t>
             </a:fld>
             <a:endParaRPr lang="en-US"/>
           </a:p>
@@ -2026,7 +2029,7 @@
           <a:p>
             <a:fld id="{5897CFCD-DFD6-F34D-95F2-86875A23819B}" type="datetime1">
               <a:rPr lang="en-GB" smtClean="0"/>
-              <a:t>28/03/2019</a:t>
+              <a:t>29/03/2019</a:t>
             </a:fld>
             <a:endParaRPr lang="en-US"/>
           </a:p>
@@ -2133,7 +2136,7 @@
           <a:p>
             <a:fld id="{5897CFCD-DFD6-F34D-95F2-86875A23819B}" type="datetime1">
               <a:rPr lang="en-GB" smtClean="0"/>
-              <a:t>28/03/2019</a:t>
+              <a:t>29/03/2019</a:t>
             </a:fld>
             <a:endParaRPr lang="en-US"/>
           </a:p>
@@ -2249,7 +2252,7 @@
           <a:p>
             <a:fld id="{5897CFCD-DFD6-F34D-95F2-86875A23819B}" type="datetime1">
               <a:rPr lang="en-GB" smtClean="0"/>
-              <a:t>28/03/2019</a:t>
+              <a:t>29/03/2019</a:t>
             </a:fld>
             <a:endParaRPr lang="en-US"/>
           </a:p>
@@ -2282,6 +2285,737 @@
     <p:extLst>
       <p:ext uri="{BB962C8B-B14F-4D97-AF65-F5344CB8AC3E}">
         <p14:creationId xmlns:p14="http://schemas.microsoft.com/office/powerpoint/2010/main" val="1716322"/>
+      </p:ext>
+    </p:extLst>
+  </p:cSld>
+  <p:clrMapOvr>
+    <a:masterClrMapping/>
+  </p:clrMapOvr>
+</p:notes>
+</file>
+
+<file path=ppt/notesSlides/notesSlide21.xml><?xml version="1.0" encoding="utf-8"?>
+<p:notes xmlns:a="http://schemas.openxmlformats.org/drawingml/2006/main" xmlns:r="http://schemas.openxmlformats.org/officeDocument/2006/relationships" xmlns:p="http://schemas.openxmlformats.org/presentationml/2006/main">
+  <p:cSld>
+    <p:spTree>
+      <p:nvGrpSpPr>
+        <p:cNvPr id="1" name=""/>
+        <p:cNvGrpSpPr/>
+        <p:nvPr/>
+      </p:nvGrpSpPr>
+      <p:grpSpPr>
+        <a:xfrm>
+          <a:off x="0" y="0"/>
+          <a:ext cx="0" cy="0"/>
+          <a:chOff x="0" y="0"/>
+          <a:chExt cx="0" cy="0"/>
+        </a:xfrm>
+      </p:grpSpPr>
+      <p:sp>
+        <p:nvSpPr>
+          <p:cNvPr id="2" name="Slide Image Placeholder 1"/>
+          <p:cNvSpPr>
+            <a:spLocks noGrp="1" noRot="1" noChangeAspect="1"/>
+          </p:cNvSpPr>
+          <p:nvPr>
+            <p:ph type="sldImg"/>
+          </p:nvPr>
+        </p:nvSpPr>
+        <p:spPr/>
+      </p:sp>
+      <p:sp>
+        <p:nvSpPr>
+          <p:cNvPr id="3" name="Notes Placeholder 2"/>
+          <p:cNvSpPr>
+            <a:spLocks noGrp="1"/>
+          </p:cNvSpPr>
+          <p:nvPr>
+            <p:ph type="body" idx="1"/>
+          </p:nvPr>
+        </p:nvSpPr>
+        <p:spPr/>
+        <p:txBody>
+          <a:bodyPr/>
+          <a:lstStyle/>
+          <a:p>
+            <a:r>
+              <a:rPr lang="en-US" sz="1200" kern="1200" dirty="0">
+                <a:solidFill>
+                  <a:schemeClr val="tx1"/>
+                </a:solidFill>
+                <a:effectLst/>
+                <a:latin typeface="+mn-lt"/>
+                <a:ea typeface="+mn-ea"/>
+                <a:cs typeface="+mn-cs"/>
+              </a:rPr>
+              <a:t>Answers</a:t>
+            </a:r>
+            <a:r>
+              <a:rPr lang="en-US" sz="1200" kern="1200" dirty="0" smtClean="0">
+                <a:solidFill>
+                  <a:schemeClr val="tx1"/>
+                </a:solidFill>
+                <a:effectLst/>
+                <a:latin typeface="+mn-lt"/>
+                <a:ea typeface="+mn-ea"/>
+                <a:cs typeface="+mn-cs"/>
+              </a:rPr>
+              <a:t>:</a:t>
+            </a:r>
+          </a:p>
+          <a:p>
+            <a:endParaRPr lang="en-US" sz="1200" kern="1200" dirty="0" smtClean="0">
+              <a:solidFill>
+                <a:schemeClr val="tx1"/>
+              </a:solidFill>
+              <a:effectLst/>
+              <a:latin typeface="+mn-lt"/>
+              <a:ea typeface="+mn-ea"/>
+              <a:cs typeface="+mn-cs"/>
+            </a:endParaRPr>
+          </a:p>
+          <a:p>
+            <a:pPr marL="0" lvl="0" indent="0">
+              <a:buNone/>
+            </a:pPr>
+            <a:r>
+              <a:rPr lang="en-US" dirty="0" smtClean="0"/>
+              <a:t>1) Which one of the below is not a downside of having thousands of features?</a:t>
+            </a:r>
+          </a:p>
+          <a:p>
+            <a:pPr lvl="1"/>
+            <a:r>
+              <a:rPr lang="en-US" dirty="0" smtClean="0"/>
+              <a:t>Curse of dimensionality</a:t>
+            </a:r>
+          </a:p>
+          <a:p>
+            <a:pPr lvl="1"/>
+            <a:r>
+              <a:rPr lang="en-US" dirty="0" smtClean="0"/>
+              <a:t>Interpretability</a:t>
+            </a:r>
+          </a:p>
+          <a:p>
+            <a:pPr lvl="1"/>
+            <a:r>
+              <a:rPr lang="en-US" b="1" dirty="0" smtClean="0"/>
+              <a:t>Increased bias (</a:t>
+            </a:r>
+            <a:r>
+              <a:rPr lang="en-US" b="1" dirty="0" err="1" smtClean="0"/>
+              <a:t>underfitting</a:t>
+            </a:r>
+            <a:r>
+              <a:rPr lang="en-US" b="1" dirty="0" smtClean="0"/>
+              <a:t>)</a:t>
+            </a:r>
+          </a:p>
+          <a:p>
+            <a:pPr marL="0" lvl="0" indent="0">
+              <a:buNone/>
+            </a:pPr>
+            <a:r>
+              <a:rPr lang="en-US" dirty="0" smtClean="0"/>
+              <a:t>2) Which one is a dimensionality reduction algorithm?</a:t>
+            </a:r>
+          </a:p>
+          <a:p>
+            <a:pPr lvl="1"/>
+            <a:r>
+              <a:rPr lang="en-US" b="1" dirty="0" smtClean="0"/>
+              <a:t>Non-negative matrix factorization</a:t>
+            </a:r>
+          </a:p>
+          <a:p>
+            <a:pPr lvl="1"/>
+            <a:r>
+              <a:rPr lang="en-US" dirty="0" smtClean="0"/>
+              <a:t>Linear regression</a:t>
+            </a:r>
+          </a:p>
+          <a:p>
+            <a:pPr lvl="1"/>
+            <a:r>
+              <a:rPr lang="en-US" dirty="0" smtClean="0"/>
+              <a:t>Random Forest</a:t>
+            </a:r>
+          </a:p>
+          <a:p>
+            <a:pPr marL="0" lvl="0" indent="0">
+              <a:buNone/>
+            </a:pPr>
+            <a:r>
+              <a:rPr lang="en-US" dirty="0" smtClean="0"/>
+              <a:t>3) Which layer in a </a:t>
+            </a:r>
+            <a:r>
+              <a:rPr lang="en-US" dirty="0" err="1" smtClean="0"/>
+              <a:t>autoencoder</a:t>
+            </a:r>
+            <a:r>
+              <a:rPr lang="en-US" dirty="0" smtClean="0"/>
+              <a:t> creates a bottle-neck that is used to compress input data?</a:t>
+            </a:r>
+          </a:p>
+          <a:p>
+            <a:pPr lvl="1"/>
+            <a:r>
+              <a:rPr lang="en-US" dirty="0" smtClean="0"/>
+              <a:t>Input layer</a:t>
+            </a:r>
+          </a:p>
+          <a:p>
+            <a:pPr lvl="1"/>
+            <a:r>
+              <a:rPr lang="en-US" b="1" dirty="0" smtClean="0"/>
+              <a:t>Hidden layer</a:t>
+            </a:r>
+          </a:p>
+          <a:p>
+            <a:pPr lvl="1"/>
+            <a:r>
+              <a:rPr lang="en-US" dirty="0" smtClean="0"/>
+              <a:t>Output layer</a:t>
+            </a:r>
+          </a:p>
+          <a:p>
+            <a:endParaRPr lang="en-US" sz="1200" kern="1200" dirty="0">
+              <a:solidFill>
+                <a:schemeClr val="tx1"/>
+              </a:solidFill>
+              <a:effectLst/>
+              <a:latin typeface="+mn-lt"/>
+              <a:ea typeface="+mn-ea"/>
+              <a:cs typeface="+mn-cs"/>
+            </a:endParaRPr>
+          </a:p>
+        </p:txBody>
+      </p:sp>
+      <p:sp>
+        <p:nvSpPr>
+          <p:cNvPr id="4" name="Date Placeholder 3"/>
+          <p:cNvSpPr>
+            <a:spLocks noGrp="1"/>
+          </p:cNvSpPr>
+          <p:nvPr>
+            <p:ph type="dt" idx="10"/>
+          </p:nvPr>
+        </p:nvSpPr>
+        <p:spPr/>
+        <p:txBody>
+          <a:bodyPr/>
+          <a:lstStyle/>
+          <a:p>
+            <a:fld id="{5897CFCD-DFD6-F34D-95F2-86875A23819B}" type="datetime1">
+              <a:rPr lang="en-GB" smtClean="0"/>
+              <a:t>29/03/2019</a:t>
+            </a:fld>
+            <a:endParaRPr lang="en-US"/>
+          </a:p>
+        </p:txBody>
+      </p:sp>
+      <p:sp>
+        <p:nvSpPr>
+          <p:cNvPr id="5" name="Slide Number Placeholder 4"/>
+          <p:cNvSpPr>
+            <a:spLocks noGrp="1"/>
+          </p:cNvSpPr>
+          <p:nvPr>
+            <p:ph type="sldNum" sz="quarter" idx="11"/>
+          </p:nvPr>
+        </p:nvSpPr>
+        <p:spPr/>
+        <p:txBody>
+          <a:bodyPr/>
+          <a:lstStyle/>
+          <a:p>
+            <a:fld id="{4235C6A4-13EB-334F-862B-598CD5A9818C}" type="slidenum">
+              <a:rPr lang="en-US" smtClean="0"/>
+              <a:t>29</a:t>
+            </a:fld>
+            <a:endParaRPr lang="en-US"/>
+          </a:p>
+        </p:txBody>
+      </p:sp>
+    </p:spTree>
+    <p:extLst>
+      <p:ext uri="{BB962C8B-B14F-4D97-AF65-F5344CB8AC3E}">
+        <p14:creationId xmlns:p14="http://schemas.microsoft.com/office/powerpoint/2010/main" val="2259479676"/>
+      </p:ext>
+    </p:extLst>
+  </p:cSld>
+  <p:clrMapOvr>
+    <a:masterClrMapping/>
+  </p:clrMapOvr>
+</p:notes>
+</file>
+
+<file path=ppt/notesSlides/notesSlide22.xml><?xml version="1.0" encoding="utf-8"?>
+<p:notes xmlns:a="http://schemas.openxmlformats.org/drawingml/2006/main" xmlns:r="http://schemas.openxmlformats.org/officeDocument/2006/relationships" xmlns:p="http://schemas.openxmlformats.org/presentationml/2006/main">
+  <p:cSld>
+    <p:spTree>
+      <p:nvGrpSpPr>
+        <p:cNvPr id="1" name=""/>
+        <p:cNvGrpSpPr/>
+        <p:nvPr/>
+      </p:nvGrpSpPr>
+      <p:grpSpPr>
+        <a:xfrm>
+          <a:off x="0" y="0"/>
+          <a:ext cx="0" cy="0"/>
+          <a:chOff x="0" y="0"/>
+          <a:chExt cx="0" cy="0"/>
+        </a:xfrm>
+      </p:grpSpPr>
+      <p:sp>
+        <p:nvSpPr>
+          <p:cNvPr id="2" name="Slide Image Placeholder 1"/>
+          <p:cNvSpPr>
+            <a:spLocks noGrp="1" noRot="1" noChangeAspect="1"/>
+          </p:cNvSpPr>
+          <p:nvPr>
+            <p:ph type="sldImg"/>
+          </p:nvPr>
+        </p:nvSpPr>
+        <p:spPr/>
+      </p:sp>
+      <p:sp>
+        <p:nvSpPr>
+          <p:cNvPr id="3" name="Notes Placeholder 2"/>
+          <p:cNvSpPr>
+            <a:spLocks noGrp="1"/>
+          </p:cNvSpPr>
+          <p:nvPr>
+            <p:ph type="body" idx="1"/>
+          </p:nvPr>
+        </p:nvSpPr>
+        <p:spPr/>
+        <p:txBody>
+          <a:bodyPr/>
+          <a:lstStyle/>
+          <a:p>
+            <a:r>
+              <a:rPr lang="en-US" sz="1200" kern="1200" dirty="0">
+                <a:solidFill>
+                  <a:schemeClr val="tx1"/>
+                </a:solidFill>
+                <a:effectLst/>
+                <a:latin typeface="+mn-lt"/>
+                <a:ea typeface="+mn-ea"/>
+                <a:cs typeface="+mn-cs"/>
+              </a:rPr>
+              <a:t>Answers</a:t>
+            </a:r>
+            <a:r>
+              <a:rPr lang="en-US" sz="1200" kern="1200" dirty="0" smtClean="0">
+                <a:solidFill>
+                  <a:schemeClr val="tx1"/>
+                </a:solidFill>
+                <a:effectLst/>
+                <a:latin typeface="+mn-lt"/>
+                <a:ea typeface="+mn-ea"/>
+                <a:cs typeface="+mn-cs"/>
+              </a:rPr>
+              <a:t>:</a:t>
+            </a:r>
+          </a:p>
+          <a:p>
+            <a:endParaRPr lang="en-US" sz="1200" kern="1200" dirty="0" smtClean="0">
+              <a:solidFill>
+                <a:schemeClr val="tx1"/>
+              </a:solidFill>
+              <a:effectLst/>
+              <a:latin typeface="+mn-lt"/>
+              <a:ea typeface="+mn-ea"/>
+              <a:cs typeface="+mn-cs"/>
+            </a:endParaRPr>
+          </a:p>
+          <a:p>
+            <a:pPr marL="0" lvl="0" indent="0">
+              <a:buNone/>
+            </a:pPr>
+            <a:r>
+              <a:rPr lang="en-US" dirty="0" smtClean="0"/>
+              <a:t>4) Which one of the below is a non-linear dimensionality reduction algorithm?</a:t>
+            </a:r>
+          </a:p>
+          <a:p>
+            <a:pPr lvl="1"/>
+            <a:r>
+              <a:rPr lang="en-US" dirty="0" smtClean="0"/>
+              <a:t>LDA</a:t>
+            </a:r>
+          </a:p>
+          <a:p>
+            <a:pPr lvl="1"/>
+            <a:r>
+              <a:rPr lang="en-US" dirty="0" smtClean="0"/>
+              <a:t>PCA</a:t>
+            </a:r>
+          </a:p>
+          <a:p>
+            <a:pPr lvl="1"/>
+            <a:r>
+              <a:rPr lang="en-US" b="1" dirty="0" smtClean="0"/>
+              <a:t>T-SNE</a:t>
+            </a:r>
+          </a:p>
+          <a:p>
+            <a:pPr marL="0" indent="0">
+              <a:buNone/>
+            </a:pPr>
+            <a:r>
+              <a:rPr lang="en-US" dirty="0" smtClean="0"/>
+              <a:t>5) What is the characteristic of the first component in a PCA algorithm?</a:t>
+            </a:r>
+          </a:p>
+          <a:p>
+            <a:pPr lvl="1"/>
+            <a:r>
+              <a:rPr lang="en-US" b="1" dirty="0" smtClean="0"/>
+              <a:t>It has the most variance </a:t>
+            </a:r>
+          </a:p>
+          <a:p>
+            <a:pPr lvl="1"/>
+            <a:r>
+              <a:rPr lang="en-US" dirty="0" smtClean="0"/>
+              <a:t>It has lowest log-loss error</a:t>
+            </a:r>
+          </a:p>
+          <a:p>
+            <a:pPr marL="0" lvl="0" indent="0">
+              <a:buNone/>
+            </a:pPr>
+            <a:r>
+              <a:rPr lang="en-US" dirty="0" smtClean="0"/>
+              <a:t>6) What do we try to maximize when fitting a PCA algorithm?</a:t>
+            </a:r>
+          </a:p>
+          <a:p>
+            <a:pPr lvl="1"/>
+            <a:r>
+              <a:rPr lang="en-US" b="1" dirty="0" smtClean="0"/>
+              <a:t>Explained variance</a:t>
+            </a:r>
+          </a:p>
+          <a:p>
+            <a:pPr lvl="1"/>
+            <a:r>
+              <a:rPr lang="en-US" dirty="0" smtClean="0"/>
+              <a:t>Mean square error</a:t>
+            </a:r>
+          </a:p>
+          <a:p>
+            <a:endParaRPr lang="en-US" sz="1200" kern="1200" dirty="0">
+              <a:solidFill>
+                <a:schemeClr val="tx1"/>
+              </a:solidFill>
+              <a:effectLst/>
+              <a:latin typeface="+mn-lt"/>
+              <a:ea typeface="+mn-ea"/>
+              <a:cs typeface="+mn-cs"/>
+            </a:endParaRPr>
+          </a:p>
+        </p:txBody>
+      </p:sp>
+      <p:sp>
+        <p:nvSpPr>
+          <p:cNvPr id="4" name="Date Placeholder 3"/>
+          <p:cNvSpPr>
+            <a:spLocks noGrp="1"/>
+          </p:cNvSpPr>
+          <p:nvPr>
+            <p:ph type="dt" idx="10"/>
+          </p:nvPr>
+        </p:nvSpPr>
+        <p:spPr/>
+        <p:txBody>
+          <a:bodyPr/>
+          <a:lstStyle/>
+          <a:p>
+            <a:fld id="{5897CFCD-DFD6-F34D-95F2-86875A23819B}" type="datetime1">
+              <a:rPr lang="en-GB" smtClean="0"/>
+              <a:t>29/03/2019</a:t>
+            </a:fld>
+            <a:endParaRPr lang="en-US"/>
+          </a:p>
+        </p:txBody>
+      </p:sp>
+      <p:sp>
+        <p:nvSpPr>
+          <p:cNvPr id="5" name="Slide Number Placeholder 4"/>
+          <p:cNvSpPr>
+            <a:spLocks noGrp="1"/>
+          </p:cNvSpPr>
+          <p:nvPr>
+            <p:ph type="sldNum" sz="quarter" idx="11"/>
+          </p:nvPr>
+        </p:nvSpPr>
+        <p:spPr/>
+        <p:txBody>
+          <a:bodyPr/>
+          <a:lstStyle/>
+          <a:p>
+            <a:fld id="{4235C6A4-13EB-334F-862B-598CD5A9818C}" type="slidenum">
+              <a:rPr lang="en-US" smtClean="0"/>
+              <a:t>30</a:t>
+            </a:fld>
+            <a:endParaRPr lang="en-US"/>
+          </a:p>
+        </p:txBody>
+      </p:sp>
+    </p:spTree>
+    <p:extLst>
+      <p:ext uri="{BB962C8B-B14F-4D97-AF65-F5344CB8AC3E}">
+        <p14:creationId xmlns:p14="http://schemas.microsoft.com/office/powerpoint/2010/main" val="1988220665"/>
+      </p:ext>
+    </p:extLst>
+  </p:cSld>
+  <p:clrMapOvr>
+    <a:masterClrMapping/>
+  </p:clrMapOvr>
+</p:notes>
+</file>
+
+<file path=ppt/notesSlides/notesSlide23.xml><?xml version="1.0" encoding="utf-8"?>
+<p:notes xmlns:a="http://schemas.openxmlformats.org/drawingml/2006/main" xmlns:r="http://schemas.openxmlformats.org/officeDocument/2006/relationships" xmlns:p="http://schemas.openxmlformats.org/presentationml/2006/main">
+  <p:cSld>
+    <p:spTree>
+      <p:nvGrpSpPr>
+        <p:cNvPr id="1" name=""/>
+        <p:cNvGrpSpPr/>
+        <p:nvPr/>
+      </p:nvGrpSpPr>
+      <p:grpSpPr>
+        <a:xfrm>
+          <a:off x="0" y="0"/>
+          <a:ext cx="0" cy="0"/>
+          <a:chOff x="0" y="0"/>
+          <a:chExt cx="0" cy="0"/>
+        </a:xfrm>
+      </p:grpSpPr>
+      <p:sp>
+        <p:nvSpPr>
+          <p:cNvPr id="2" name="Slide Image Placeholder 1"/>
+          <p:cNvSpPr>
+            <a:spLocks noGrp="1" noRot="1" noChangeAspect="1"/>
+          </p:cNvSpPr>
+          <p:nvPr>
+            <p:ph type="sldImg"/>
+          </p:nvPr>
+        </p:nvSpPr>
+        <p:spPr/>
+      </p:sp>
+      <p:sp>
+        <p:nvSpPr>
+          <p:cNvPr id="3" name="Notes Placeholder 2"/>
+          <p:cNvSpPr>
+            <a:spLocks noGrp="1"/>
+          </p:cNvSpPr>
+          <p:nvPr>
+            <p:ph type="body" idx="1"/>
+          </p:nvPr>
+        </p:nvSpPr>
+        <p:spPr/>
+        <p:txBody>
+          <a:bodyPr/>
+          <a:lstStyle/>
+          <a:p>
+            <a:pPr marL="0" lvl="0" indent="0">
+              <a:buNone/>
+            </a:pPr>
+            <a:r>
+              <a:rPr lang="en-US" dirty="0" smtClean="0"/>
+              <a:t>Answers</a:t>
+            </a:r>
+          </a:p>
+          <a:p>
+            <a:pPr marL="0" lvl="0" indent="0">
+              <a:buNone/>
+            </a:pPr>
+            <a:endParaRPr lang="en-US" dirty="0" smtClean="0"/>
+          </a:p>
+          <a:p>
+            <a:pPr marL="0" lvl="0" indent="0">
+              <a:buNone/>
+            </a:pPr>
+            <a:r>
+              <a:rPr lang="en-US" dirty="0" smtClean="0"/>
+              <a:t>7) Which one of the below </a:t>
+            </a:r>
+            <a:r>
+              <a:rPr lang="en-GB" dirty="0" smtClean="0"/>
+              <a:t>can tell us about the direction of maximum variance?</a:t>
+            </a:r>
+            <a:endParaRPr lang="en-US" dirty="0" smtClean="0"/>
+          </a:p>
+          <a:p>
+            <a:pPr lvl="1"/>
+            <a:r>
+              <a:rPr lang="en-US" b="1" dirty="0" smtClean="0"/>
+              <a:t>Eigenvectors</a:t>
+            </a:r>
+          </a:p>
+          <a:p>
+            <a:pPr lvl="1"/>
+            <a:r>
+              <a:rPr lang="en-US" dirty="0" smtClean="0"/>
+              <a:t>Mean of the vector</a:t>
+            </a:r>
+          </a:p>
+          <a:p>
+            <a:pPr lvl="1"/>
+            <a:r>
+              <a:rPr lang="en-US" dirty="0" smtClean="0"/>
+              <a:t>Eigenvalues</a:t>
+            </a:r>
+          </a:p>
+          <a:p>
+            <a:pPr marL="0" lvl="0" indent="0">
+              <a:buNone/>
+            </a:pPr>
+            <a:r>
+              <a:rPr lang="en-US" dirty="0" smtClean="0"/>
+              <a:t>8) How can we determine the best number of components/features to reduce our dataset?</a:t>
+            </a:r>
+          </a:p>
+          <a:p>
+            <a:pPr marL="457200" marR="0" lvl="1" indent="0" algn="l" defTabSz="914400" rtl="0" eaLnBrk="1" fontAlgn="auto" latinLnBrk="0" hangingPunct="1">
+              <a:lnSpc>
+                <a:spcPct val="100000"/>
+              </a:lnSpc>
+              <a:spcBef>
+                <a:spcPts val="0"/>
+              </a:spcBef>
+              <a:spcAft>
+                <a:spcPts val="0"/>
+              </a:spcAft>
+              <a:buClrTx/>
+              <a:buSzTx/>
+              <a:buFontTx/>
+              <a:buNone/>
+              <a:tabLst/>
+              <a:defRPr/>
+            </a:pPr>
+            <a:r>
+              <a:rPr lang="en-US" b="1" dirty="0" smtClean="0"/>
+              <a:t>Calculating explained variance by number of components and identifying the plateau of diminishing returns </a:t>
+            </a:r>
+          </a:p>
+          <a:p>
+            <a:pPr lvl="1"/>
+            <a:r>
+              <a:rPr lang="en-US" dirty="0" smtClean="0"/>
+              <a:t>Finding out the maximum eigenvector and the corresponding component</a:t>
+            </a:r>
+          </a:p>
+          <a:p>
+            <a:pPr marL="0" lvl="0" indent="0">
+              <a:buNone/>
+            </a:pPr>
+            <a:r>
+              <a:rPr lang="en-US" dirty="0" smtClean="0"/>
+              <a:t>9) PCA Algorithm is susceptible to large values. What would be a good way to alleviate this?</a:t>
+            </a:r>
+          </a:p>
+          <a:p>
+            <a:pPr lvl="1"/>
+            <a:r>
+              <a:rPr lang="en-US" b="1" dirty="0" smtClean="0"/>
+              <a:t>Normalization/scaling of data</a:t>
+            </a:r>
+          </a:p>
+          <a:p>
+            <a:pPr lvl="1"/>
+            <a:r>
+              <a:rPr lang="en-US" dirty="0" smtClean="0"/>
+              <a:t>Mean-centering</a:t>
+            </a:r>
+          </a:p>
+          <a:p>
+            <a:pPr marL="0" lvl="0" indent="0">
+              <a:buNone/>
+            </a:pPr>
+            <a:r>
+              <a:rPr lang="en-US" dirty="0" smtClean="0"/>
+              <a:t>10) Which one would be a good use case for PCA algorithm?</a:t>
+            </a:r>
+          </a:p>
+          <a:p>
+            <a:pPr lvl="1"/>
+            <a:r>
+              <a:rPr lang="en-US" dirty="0" smtClean="0"/>
+              <a:t>Identifying different cluster of objects within an image</a:t>
+            </a:r>
+          </a:p>
+          <a:p>
+            <a:pPr lvl="1"/>
+            <a:r>
+              <a:rPr lang="en-US" b="1" dirty="0" smtClean="0"/>
+              <a:t>Reduce size of images prior to image recognition</a:t>
+            </a:r>
+          </a:p>
+          <a:p>
+            <a:pPr marL="0" lvl="0" indent="0">
+              <a:buNone/>
+            </a:pPr>
+            <a:endParaRPr lang="en-US" dirty="0"/>
+          </a:p>
+        </p:txBody>
+      </p:sp>
+      <p:sp>
+        <p:nvSpPr>
+          <p:cNvPr id="4" name="Date Placeholder 3"/>
+          <p:cNvSpPr>
+            <a:spLocks noGrp="1"/>
+          </p:cNvSpPr>
+          <p:nvPr>
+            <p:ph type="dt" idx="10"/>
+          </p:nvPr>
+        </p:nvSpPr>
+        <p:spPr/>
+        <p:txBody>
+          <a:bodyPr/>
+          <a:lstStyle/>
+          <a:p>
+            <a:fld id="{5897CFCD-DFD6-F34D-95F2-86875A23819B}" type="datetime1">
+              <a:rPr lang="en-GB" smtClean="0"/>
+              <a:t>29/03/2019</a:t>
+            </a:fld>
+            <a:endParaRPr lang="en-US"/>
+          </a:p>
+        </p:txBody>
+      </p:sp>
+      <p:sp>
+        <p:nvSpPr>
+          <p:cNvPr id="5" name="Slide Number Placeholder 4"/>
+          <p:cNvSpPr>
+            <a:spLocks noGrp="1"/>
+          </p:cNvSpPr>
+          <p:nvPr>
+            <p:ph type="sldNum" sz="quarter" idx="11"/>
+          </p:nvPr>
+        </p:nvSpPr>
+        <p:spPr/>
+        <p:txBody>
+          <a:bodyPr/>
+          <a:lstStyle/>
+          <a:p>
+            <a:fld id="{4235C6A4-13EB-334F-862B-598CD5A9818C}" type="slidenum">
+              <a:rPr lang="en-US" smtClean="0"/>
+              <a:t>31</a:t>
+            </a:fld>
+            <a:endParaRPr lang="en-US"/>
+          </a:p>
+        </p:txBody>
+      </p:sp>
+    </p:spTree>
+    <p:extLst>
+      <p:ext uri="{BB962C8B-B14F-4D97-AF65-F5344CB8AC3E}">
+        <p14:creationId xmlns:p14="http://schemas.microsoft.com/office/powerpoint/2010/main" val="3476665218"/>
       </p:ext>
     </p:extLst>
   </p:cSld>
@@ -2356,7 +3090,7 @@
           <a:p>
             <a:fld id="{5897CFCD-DFD6-F34D-95F2-86875A23819B}" type="datetime1">
               <a:rPr lang="en-GB" smtClean="0"/>
-              <a:t>28/03/2019</a:t>
+              <a:t>29/03/2019</a:t>
             </a:fld>
             <a:endParaRPr lang="en-US"/>
           </a:p>
@@ -2475,7 +3209,7 @@
           <a:p>
             <a:fld id="{5897CFCD-DFD6-F34D-95F2-86875A23819B}" type="datetime1">
               <a:rPr lang="en-GB" smtClean="0"/>
-              <a:t>28/03/2019</a:t>
+              <a:t>29/03/2019</a:t>
             </a:fld>
             <a:endParaRPr lang="en-US"/>
           </a:p>
@@ -2582,7 +3316,7 @@
           <a:p>
             <a:fld id="{5897CFCD-DFD6-F34D-95F2-86875A23819B}" type="datetime1">
               <a:rPr lang="en-GB" smtClean="0"/>
-              <a:t>28/03/2019</a:t>
+              <a:t>29/03/2019</a:t>
             </a:fld>
             <a:endParaRPr lang="en-US"/>
           </a:p>
@@ -2689,7 +3423,7 @@
           <a:p>
             <a:fld id="{5897CFCD-DFD6-F34D-95F2-86875A23819B}" type="datetime1">
               <a:rPr lang="en-GB" smtClean="0"/>
-              <a:t>28/03/2019</a:t>
+              <a:t>29/03/2019</a:t>
             </a:fld>
             <a:endParaRPr lang="en-US"/>
           </a:p>
@@ -2796,7 +3530,7 @@
           <a:p>
             <a:fld id="{5897CFCD-DFD6-F34D-95F2-86875A23819B}" type="datetime1">
               <a:rPr lang="en-GB" smtClean="0"/>
-              <a:t>28/03/2019</a:t>
+              <a:t>29/03/2019</a:t>
             </a:fld>
             <a:endParaRPr lang="en-US"/>
           </a:p>
@@ -2903,7 +3637,7 @@
           <a:p>
             <a:fld id="{5897CFCD-DFD6-F34D-95F2-86875A23819B}" type="datetime1">
               <a:rPr lang="en-GB" smtClean="0"/>
-              <a:t>28/03/2019</a:t>
+              <a:t>29/03/2019</a:t>
             </a:fld>
             <a:endParaRPr lang="en-US"/>
           </a:p>
@@ -3010,7 +3744,7 @@
           <a:p>
             <a:fld id="{5897CFCD-DFD6-F34D-95F2-86875A23819B}" type="datetime1">
               <a:rPr lang="en-GB" smtClean="0"/>
-              <a:t>28/03/2019</a:t>
+              <a:t>29/03/2019</a:t>
             </a:fld>
             <a:endParaRPr lang="en-US"/>
           </a:p>
@@ -3074,7 +3808,7 @@
           <p:cNvPr id="2" name="Title 1">
             <a:extLst>
               <a:ext uri="{FF2B5EF4-FFF2-40B4-BE49-F238E27FC236}">
-                <a16:creationId xmlns="" xmlns:a16="http://schemas.microsoft.com/office/drawing/2014/main" id="{A3F4EBAA-2F39-3941-B36E-6CA80D2012F9}"/>
+                <a16:creationId xmlns:a16="http://schemas.microsoft.com/office/drawing/2014/main" xmlns="" id="{A3F4EBAA-2F39-3941-B36E-6CA80D2012F9}"/>
               </a:ext>
             </a:extLst>
           </p:cNvPr>
@@ -3119,7 +3853,7 @@
           <p:cNvPr id="3" name="Subtitle 2">
             <a:extLst>
               <a:ext uri="{FF2B5EF4-FFF2-40B4-BE49-F238E27FC236}">
-                <a16:creationId xmlns="" xmlns:a16="http://schemas.microsoft.com/office/drawing/2014/main" id="{B8D30EB3-3F40-D64C-A1AD-1D8CF2EDB6EB}"/>
+                <a16:creationId xmlns:a16="http://schemas.microsoft.com/office/drawing/2014/main" xmlns="" id="{B8D30EB3-3F40-D64C-A1AD-1D8CF2EDB6EB}"/>
               </a:ext>
             </a:extLst>
           </p:cNvPr>
@@ -3197,7 +3931,7 @@
           <p:cNvPr id="4" name="Date Placeholder 3">
             <a:extLst>
               <a:ext uri="{FF2B5EF4-FFF2-40B4-BE49-F238E27FC236}">
-                <a16:creationId xmlns="" xmlns:a16="http://schemas.microsoft.com/office/drawing/2014/main" id="{35EF9E7C-27BF-0B47-97CE-96E21ED00E49}"/>
+                <a16:creationId xmlns:a16="http://schemas.microsoft.com/office/drawing/2014/main" xmlns="" id="{35EF9E7C-27BF-0B47-97CE-96E21ED00E49}"/>
               </a:ext>
             </a:extLst>
           </p:cNvPr>
@@ -3223,7 +3957,7 @@
             <a:fld id="{A20003F6-9FA2-F04E-AA53-1C0C7743172A}" type="datetime1">
               <a:rPr lang="en-GB" smtClean="0"/>
               <a:pPr/>
-              <a:t>28/03/2019</a:t>
+              <a:t>29/03/2019</a:t>
             </a:fld>
             <a:endParaRPr lang="en-US"/>
           </a:p>
@@ -3234,7 +3968,7 @@
           <p:cNvPr id="5" name="Footer Placeholder 4">
             <a:extLst>
               <a:ext uri="{FF2B5EF4-FFF2-40B4-BE49-F238E27FC236}">
-                <a16:creationId xmlns="" xmlns:a16="http://schemas.microsoft.com/office/drawing/2014/main" id="{544A26B7-A7B8-0043-9B2B-84EB56AD3764}"/>
+                <a16:creationId xmlns:a16="http://schemas.microsoft.com/office/drawing/2014/main" xmlns="" id="{544A26B7-A7B8-0043-9B2B-84EB56AD3764}"/>
               </a:ext>
             </a:extLst>
           </p:cNvPr>
@@ -3266,7 +4000,7 @@
           <p:cNvPr id="9" name="Slide Number Placeholder 5">
             <a:extLst>
               <a:ext uri="{FF2B5EF4-FFF2-40B4-BE49-F238E27FC236}">
-                <a16:creationId xmlns="" xmlns:a16="http://schemas.microsoft.com/office/drawing/2014/main" id="{AAF09BA4-C874-394D-BD6F-A467115F6559}"/>
+                <a16:creationId xmlns:a16="http://schemas.microsoft.com/office/drawing/2014/main" xmlns="" id="{AAF09BA4-C874-394D-BD6F-A467115F6559}"/>
               </a:ext>
             </a:extLst>
           </p:cNvPr>
@@ -3315,7 +4049,7 @@
           <p:cNvPr id="7" name="Graphic 6">
             <a:extLst>
               <a:ext uri="{FF2B5EF4-FFF2-40B4-BE49-F238E27FC236}">
-                <a16:creationId xmlns="" xmlns:a16="http://schemas.microsoft.com/office/drawing/2014/main" id="{2D6BB21E-9A72-374E-819C-561AF35948AD}"/>
+                <a16:creationId xmlns:a16="http://schemas.microsoft.com/office/drawing/2014/main" xmlns="" id="{2D6BB21E-9A72-374E-819C-561AF35948AD}"/>
               </a:ext>
             </a:extLst>
           </p:cNvPr>
@@ -3328,7 +4062,7 @@
           <a:blip r:embed="rId2">
             <a:extLst>
               <a:ext uri="{96DAC541-7B7A-43D3-8B79-37D633B846F1}">
-                <asvg:svgBlip xmlns="" xmlns:asvg="http://schemas.microsoft.com/office/drawing/2016/SVG/main" r:embed="rId3"/>
+                <asvg:svgBlip xmlns:asvg="http://schemas.microsoft.com/office/drawing/2016/SVG/main" xmlns="" r:embed="rId3"/>
               </a:ext>
             </a:extLst>
           </a:blip>
@@ -3386,7 +4120,7 @@
           <p:cNvPr id="2" name="Title 1">
             <a:extLst>
               <a:ext uri="{FF2B5EF4-FFF2-40B4-BE49-F238E27FC236}">
-                <a16:creationId xmlns="" xmlns:a16="http://schemas.microsoft.com/office/drawing/2014/main" id="{A3F4EBAA-2F39-3941-B36E-6CA80D2012F9}"/>
+                <a16:creationId xmlns:a16="http://schemas.microsoft.com/office/drawing/2014/main" xmlns="" id="{A3F4EBAA-2F39-3941-B36E-6CA80D2012F9}"/>
               </a:ext>
             </a:extLst>
           </p:cNvPr>
@@ -3425,7 +4159,7 @@
           <p:cNvPr id="3" name="Subtitle 2">
             <a:extLst>
               <a:ext uri="{FF2B5EF4-FFF2-40B4-BE49-F238E27FC236}">
-                <a16:creationId xmlns="" xmlns:a16="http://schemas.microsoft.com/office/drawing/2014/main" id="{B8D30EB3-3F40-D64C-A1AD-1D8CF2EDB6EB}"/>
+                <a16:creationId xmlns:a16="http://schemas.microsoft.com/office/drawing/2014/main" xmlns="" id="{B8D30EB3-3F40-D64C-A1AD-1D8CF2EDB6EB}"/>
               </a:ext>
             </a:extLst>
           </p:cNvPr>
@@ -3497,7 +4231,7 @@
           <p:cNvPr id="4" name="Date Placeholder 3">
             <a:extLst>
               <a:ext uri="{FF2B5EF4-FFF2-40B4-BE49-F238E27FC236}">
-                <a16:creationId xmlns="" xmlns:a16="http://schemas.microsoft.com/office/drawing/2014/main" id="{35EF9E7C-27BF-0B47-97CE-96E21ED00E49}"/>
+                <a16:creationId xmlns:a16="http://schemas.microsoft.com/office/drawing/2014/main" xmlns="" id="{35EF9E7C-27BF-0B47-97CE-96E21ED00E49}"/>
               </a:ext>
             </a:extLst>
           </p:cNvPr>
@@ -3515,7 +4249,7 @@
           <a:p>
             <a:fld id="{A20003F6-9FA2-F04E-AA53-1C0C7743172A}" type="datetime1">
               <a:rPr lang="en-GB" smtClean="0"/>
-              <a:t>28/03/2019</a:t>
+              <a:t>29/03/2019</a:t>
             </a:fld>
             <a:endParaRPr lang="en-US"/>
           </a:p>
@@ -3526,7 +4260,7 @@
           <p:cNvPr id="5" name="Footer Placeholder 4">
             <a:extLst>
               <a:ext uri="{FF2B5EF4-FFF2-40B4-BE49-F238E27FC236}">
-                <a16:creationId xmlns="" xmlns:a16="http://schemas.microsoft.com/office/drawing/2014/main" id="{544A26B7-A7B8-0043-9B2B-84EB56AD3764}"/>
+                <a16:creationId xmlns:a16="http://schemas.microsoft.com/office/drawing/2014/main" xmlns="" id="{544A26B7-A7B8-0043-9B2B-84EB56AD3764}"/>
               </a:ext>
             </a:extLst>
           </p:cNvPr>
@@ -3551,7 +4285,7 @@
           <p:cNvPr id="6" name="Slide Number Placeholder 5">
             <a:extLst>
               <a:ext uri="{FF2B5EF4-FFF2-40B4-BE49-F238E27FC236}">
-                <a16:creationId xmlns="" xmlns:a16="http://schemas.microsoft.com/office/drawing/2014/main" id="{12670887-57E7-3A43-BB1A-5812E952692E}"/>
+                <a16:creationId xmlns:a16="http://schemas.microsoft.com/office/drawing/2014/main" xmlns="" id="{12670887-57E7-3A43-BB1A-5812E952692E}"/>
               </a:ext>
             </a:extLst>
           </p:cNvPr>
@@ -3580,7 +4314,7 @@
           <p:cNvPr id="7" name="Graphic 6">
             <a:extLst>
               <a:ext uri="{FF2B5EF4-FFF2-40B4-BE49-F238E27FC236}">
-                <a16:creationId xmlns="" xmlns:a16="http://schemas.microsoft.com/office/drawing/2014/main" id="{7A6DAC14-6B68-C94F-9CAE-3A415EE34ADE}"/>
+                <a16:creationId xmlns:a16="http://schemas.microsoft.com/office/drawing/2014/main" xmlns="" id="{7A6DAC14-6B68-C94F-9CAE-3A415EE34ADE}"/>
               </a:ext>
             </a:extLst>
           </p:cNvPr>
@@ -3593,7 +4327,7 @@
           <a:blip r:embed="rId2">
             <a:extLst>
               <a:ext uri="{96DAC541-7B7A-43D3-8B79-37D633B846F1}">
-                <asvg:svgBlip xmlns="" xmlns:asvg="http://schemas.microsoft.com/office/drawing/2016/SVG/main" r:embed="rId3"/>
+                <asvg:svgBlip xmlns:asvg="http://schemas.microsoft.com/office/drawing/2016/SVG/main" xmlns="" r:embed="rId3"/>
               </a:ext>
             </a:extLst>
           </a:blip>
@@ -3651,7 +4385,7 @@
           <p:cNvPr id="2" name="Title 1">
             <a:extLst>
               <a:ext uri="{FF2B5EF4-FFF2-40B4-BE49-F238E27FC236}">
-                <a16:creationId xmlns="" xmlns:a16="http://schemas.microsoft.com/office/drawing/2014/main" id="{301DCAF7-AA06-1040-B1E0-8E15D9C5161B}"/>
+                <a16:creationId xmlns:a16="http://schemas.microsoft.com/office/drawing/2014/main" xmlns="" id="{301DCAF7-AA06-1040-B1E0-8E15D9C5161B}"/>
               </a:ext>
             </a:extLst>
           </p:cNvPr>
@@ -3686,7 +4420,7 @@
           <p:cNvPr id="3" name="Content Placeholder 2">
             <a:extLst>
               <a:ext uri="{FF2B5EF4-FFF2-40B4-BE49-F238E27FC236}">
-                <a16:creationId xmlns="" xmlns:a16="http://schemas.microsoft.com/office/drawing/2014/main" id="{BFF5B501-CBFE-104D-BB25-66D22875F063}"/>
+                <a16:creationId xmlns:a16="http://schemas.microsoft.com/office/drawing/2014/main" xmlns="" id="{BFF5B501-CBFE-104D-BB25-66D22875F063}"/>
               </a:ext>
             </a:extLst>
           </p:cNvPr>
@@ -3779,7 +4513,7 @@
           <p:cNvPr id="4" name="Date Placeholder 3">
             <a:extLst>
               <a:ext uri="{FF2B5EF4-FFF2-40B4-BE49-F238E27FC236}">
-                <a16:creationId xmlns="" xmlns:a16="http://schemas.microsoft.com/office/drawing/2014/main" id="{08985F08-8E72-9148-82A1-2C591DFBDC0E}"/>
+                <a16:creationId xmlns:a16="http://schemas.microsoft.com/office/drawing/2014/main" xmlns="" id="{08985F08-8E72-9148-82A1-2C591DFBDC0E}"/>
               </a:ext>
             </a:extLst>
           </p:cNvPr>
@@ -3805,7 +4539,7 @@
             <a:fld id="{B1FFB84F-73DC-4C43-AC13-67A9ADC1B225}" type="datetime1">
               <a:rPr lang="en-GB" smtClean="0"/>
               <a:pPr/>
-              <a:t>28/03/2019</a:t>
+              <a:t>29/03/2019</a:t>
             </a:fld>
             <a:endParaRPr lang="en-US"/>
           </a:p>
@@ -3816,7 +4550,7 @@
           <p:cNvPr id="5" name="Footer Placeholder 4">
             <a:extLst>
               <a:ext uri="{FF2B5EF4-FFF2-40B4-BE49-F238E27FC236}">
-                <a16:creationId xmlns="" xmlns:a16="http://schemas.microsoft.com/office/drawing/2014/main" id="{B94366E4-48A8-C248-8403-C00951EFCD6A}"/>
+                <a16:creationId xmlns:a16="http://schemas.microsoft.com/office/drawing/2014/main" xmlns="" id="{B94366E4-48A8-C248-8403-C00951EFCD6A}"/>
               </a:ext>
             </a:extLst>
           </p:cNvPr>
@@ -3848,7 +4582,7 @@
           <p:cNvPr id="7" name="Slide Number Placeholder 5">
             <a:extLst>
               <a:ext uri="{FF2B5EF4-FFF2-40B4-BE49-F238E27FC236}">
-                <a16:creationId xmlns="" xmlns:a16="http://schemas.microsoft.com/office/drawing/2014/main" id="{CEEB4CF7-D339-7A46-8B33-C97F7A447C18}"/>
+                <a16:creationId xmlns:a16="http://schemas.microsoft.com/office/drawing/2014/main" xmlns="" id="{CEEB4CF7-D339-7A46-8B33-C97F7A447C18}"/>
               </a:ext>
             </a:extLst>
           </p:cNvPr>
@@ -3927,7 +4661,7 @@
           <p:cNvPr id="2" name="Title 1">
             <a:extLst>
               <a:ext uri="{FF2B5EF4-FFF2-40B4-BE49-F238E27FC236}">
-                <a16:creationId xmlns="" xmlns:a16="http://schemas.microsoft.com/office/drawing/2014/main" id="{9A1F11F1-9EFF-7144-9125-3139B4E1CCCC}"/>
+                <a16:creationId xmlns:a16="http://schemas.microsoft.com/office/drawing/2014/main" xmlns="" id="{9A1F11F1-9EFF-7144-9125-3139B4E1CCCC}"/>
               </a:ext>
             </a:extLst>
           </p:cNvPr>
@@ -3966,7 +4700,7 @@
           <p:cNvPr id="3" name="Content Placeholder 2">
             <a:extLst>
               <a:ext uri="{FF2B5EF4-FFF2-40B4-BE49-F238E27FC236}">
-                <a16:creationId xmlns="" xmlns:a16="http://schemas.microsoft.com/office/drawing/2014/main" id="{C9C57E45-EC2E-6A48-999E-8DBA374CD47B}"/>
+                <a16:creationId xmlns:a16="http://schemas.microsoft.com/office/drawing/2014/main" xmlns="" id="{C9C57E45-EC2E-6A48-999E-8DBA374CD47B}"/>
               </a:ext>
             </a:extLst>
           </p:cNvPr>
@@ -4056,7 +4790,7 @@
           <p:cNvPr id="4" name="Text Placeholder 3">
             <a:extLst>
               <a:ext uri="{FF2B5EF4-FFF2-40B4-BE49-F238E27FC236}">
-                <a16:creationId xmlns="" xmlns:a16="http://schemas.microsoft.com/office/drawing/2014/main" id="{E9B9F23F-F468-1142-A98D-597B3EBFAAD2}"/>
+                <a16:creationId xmlns:a16="http://schemas.microsoft.com/office/drawing/2014/main" xmlns="" id="{E9B9F23F-F468-1142-A98D-597B3EBFAAD2}"/>
               </a:ext>
             </a:extLst>
           </p:cNvPr>
@@ -4129,7 +4863,7 @@
           <p:cNvPr id="5" name="Date Placeholder 4">
             <a:extLst>
               <a:ext uri="{FF2B5EF4-FFF2-40B4-BE49-F238E27FC236}">
-                <a16:creationId xmlns="" xmlns:a16="http://schemas.microsoft.com/office/drawing/2014/main" id="{992037A2-B8BC-4D46-AA82-267CC5E774E2}"/>
+                <a16:creationId xmlns:a16="http://schemas.microsoft.com/office/drawing/2014/main" xmlns="" id="{992037A2-B8BC-4D46-AA82-267CC5E774E2}"/>
               </a:ext>
             </a:extLst>
           </p:cNvPr>
@@ -4147,7 +4881,7 @@
           <a:p>
             <a:fld id="{1D3AC278-FEFB-4949-87C8-2F7B048D5B30}" type="datetime1">
               <a:rPr lang="en-GB" smtClean="0"/>
-              <a:t>28/03/2019</a:t>
+              <a:t>29/03/2019</a:t>
             </a:fld>
             <a:endParaRPr lang="en-US"/>
           </a:p>
@@ -4158,7 +4892,7 @@
           <p:cNvPr id="6" name="Footer Placeholder 5">
             <a:extLst>
               <a:ext uri="{FF2B5EF4-FFF2-40B4-BE49-F238E27FC236}">
-                <a16:creationId xmlns="" xmlns:a16="http://schemas.microsoft.com/office/drawing/2014/main" id="{B71E40FC-CC75-5C49-B153-710113617681}"/>
+                <a16:creationId xmlns:a16="http://schemas.microsoft.com/office/drawing/2014/main" xmlns="" id="{B71E40FC-CC75-5C49-B153-710113617681}"/>
               </a:ext>
             </a:extLst>
           </p:cNvPr>
@@ -4183,7 +4917,7 @@
           <p:cNvPr id="7" name="Slide Number Placeholder 6">
             <a:extLst>
               <a:ext uri="{FF2B5EF4-FFF2-40B4-BE49-F238E27FC236}">
-                <a16:creationId xmlns="" xmlns:a16="http://schemas.microsoft.com/office/drawing/2014/main" id="{86C0EBE3-CD47-DA41-8665-99A541C1A8F3}"/>
+                <a16:creationId xmlns:a16="http://schemas.microsoft.com/office/drawing/2014/main" xmlns="" id="{86C0EBE3-CD47-DA41-8665-99A541C1A8F3}"/>
               </a:ext>
             </a:extLst>
           </p:cNvPr>
@@ -4242,7 +4976,7 @@
           <p:cNvPr id="2" name="Title 1">
             <a:extLst>
               <a:ext uri="{FF2B5EF4-FFF2-40B4-BE49-F238E27FC236}">
-                <a16:creationId xmlns="" xmlns:a16="http://schemas.microsoft.com/office/drawing/2014/main" id="{2E2539A8-FECC-1549-9FD2-BB4362008D20}"/>
+                <a16:creationId xmlns:a16="http://schemas.microsoft.com/office/drawing/2014/main" xmlns="" id="{2E2539A8-FECC-1549-9FD2-BB4362008D20}"/>
               </a:ext>
             </a:extLst>
           </p:cNvPr>
@@ -4270,7 +5004,7 @@
           <p:cNvPr id="3" name="Date Placeholder 2">
             <a:extLst>
               <a:ext uri="{FF2B5EF4-FFF2-40B4-BE49-F238E27FC236}">
-                <a16:creationId xmlns="" xmlns:a16="http://schemas.microsoft.com/office/drawing/2014/main" id="{690CBC2C-B15B-964F-ACEE-BEB2DAF79F41}"/>
+                <a16:creationId xmlns:a16="http://schemas.microsoft.com/office/drawing/2014/main" xmlns="" id="{690CBC2C-B15B-964F-ACEE-BEB2DAF79F41}"/>
               </a:ext>
             </a:extLst>
           </p:cNvPr>
@@ -4288,7 +5022,7 @@
           <a:p>
             <a:fld id="{864A2DF1-82CB-3949-8DC2-ECE30178A186}" type="datetime1">
               <a:rPr lang="en-GB" smtClean="0"/>
-              <a:t>28/03/2019</a:t>
+              <a:t>29/03/2019</a:t>
             </a:fld>
             <a:endParaRPr lang="en-US"/>
           </a:p>
@@ -4299,7 +5033,7 @@
           <p:cNvPr id="4" name="Footer Placeholder 3">
             <a:extLst>
               <a:ext uri="{FF2B5EF4-FFF2-40B4-BE49-F238E27FC236}">
-                <a16:creationId xmlns="" xmlns:a16="http://schemas.microsoft.com/office/drawing/2014/main" id="{13B40B73-B3DD-3E49-89F6-7D6344C26A9C}"/>
+                <a16:creationId xmlns:a16="http://schemas.microsoft.com/office/drawing/2014/main" xmlns="" id="{13B40B73-B3DD-3E49-89F6-7D6344C26A9C}"/>
               </a:ext>
             </a:extLst>
           </p:cNvPr>
@@ -4324,7 +5058,7 @@
           <p:cNvPr id="5" name="Slide Number Placeholder 4">
             <a:extLst>
               <a:ext uri="{FF2B5EF4-FFF2-40B4-BE49-F238E27FC236}">
-                <a16:creationId xmlns="" xmlns:a16="http://schemas.microsoft.com/office/drawing/2014/main" id="{6B802C64-D1FE-5E4F-84AE-101D7BACAB35}"/>
+                <a16:creationId xmlns:a16="http://schemas.microsoft.com/office/drawing/2014/main" xmlns="" id="{6B802C64-D1FE-5E4F-84AE-101D7BACAB35}"/>
               </a:ext>
             </a:extLst>
           </p:cNvPr>
@@ -4391,7 +5125,7 @@
           <p:cNvPr id="5" name="Slide Number Placeholder 4">
             <a:extLst>
               <a:ext uri="{FF2B5EF4-FFF2-40B4-BE49-F238E27FC236}">
-                <a16:creationId xmlns="" xmlns:a16="http://schemas.microsoft.com/office/drawing/2014/main" id="{E6FFE9E8-50C7-8249-8A2A-C78D51872E6D}"/>
+                <a16:creationId xmlns:a16="http://schemas.microsoft.com/office/drawing/2014/main" xmlns="" id="{E6FFE9E8-50C7-8249-8A2A-C78D51872E6D}"/>
               </a:ext>
             </a:extLst>
           </p:cNvPr>
@@ -4431,7 +5165,7 @@
           <p:cNvPr id="12" name="TextBox 11">
             <a:extLst>
               <a:ext uri="{FF2B5EF4-FFF2-40B4-BE49-F238E27FC236}">
-                <a16:creationId xmlns="" xmlns:a16="http://schemas.microsoft.com/office/drawing/2014/main" id="{F1E56A25-91D5-724D-A11F-39696A1993AD}"/>
+                <a16:creationId xmlns:a16="http://schemas.microsoft.com/office/drawing/2014/main" xmlns="" id="{F1E56A25-91D5-724D-A11F-39696A1993AD}"/>
               </a:ext>
             </a:extLst>
           </p:cNvPr>
@@ -4482,7 +5216,7 @@
           <p:cNvPr id="13" name="TextBox 12">
             <a:extLst>
               <a:ext uri="{FF2B5EF4-FFF2-40B4-BE49-F238E27FC236}">
-                <a16:creationId xmlns="" xmlns:a16="http://schemas.microsoft.com/office/drawing/2014/main" id="{E7F77107-76F4-9144-A972-88C0AFF26277}"/>
+                <a16:creationId xmlns:a16="http://schemas.microsoft.com/office/drawing/2014/main" xmlns="" id="{E7F77107-76F4-9144-A972-88C0AFF26277}"/>
               </a:ext>
             </a:extLst>
           </p:cNvPr>
@@ -4534,7 +5268,7 @@
           <p:cNvPr id="14" name="Date Placeholder 4">
             <a:extLst>
               <a:ext uri="{FF2B5EF4-FFF2-40B4-BE49-F238E27FC236}">
-                <a16:creationId xmlns="" xmlns:a16="http://schemas.microsoft.com/office/drawing/2014/main" id="{A0C97EFC-6E59-C249-9F99-21A17B278F99}"/>
+                <a16:creationId xmlns:a16="http://schemas.microsoft.com/office/drawing/2014/main" xmlns="" id="{A0C97EFC-6E59-C249-9F99-21A17B278F99}"/>
               </a:ext>
             </a:extLst>
           </p:cNvPr>
@@ -4568,7 +5302,7 @@
             <a:fld id="{1D3AC278-FEFB-4949-87C8-2F7B048D5B30}" type="datetime1">
               <a:rPr lang="en-GB" smtClean="0"/>
               <a:pPr/>
-              <a:t>28/03/2019</a:t>
+              <a:t>29/03/2019</a:t>
             </a:fld>
             <a:endParaRPr lang="en-US"/>
           </a:p>
@@ -4579,7 +5313,7 @@
           <p:cNvPr id="15" name="Footer Placeholder 5">
             <a:extLst>
               <a:ext uri="{FF2B5EF4-FFF2-40B4-BE49-F238E27FC236}">
-                <a16:creationId xmlns="" xmlns:a16="http://schemas.microsoft.com/office/drawing/2014/main" id="{6C396A9A-B7C9-0C46-97D1-1DB9C8C85215}"/>
+                <a16:creationId xmlns:a16="http://schemas.microsoft.com/office/drawing/2014/main" xmlns="" id="{6C396A9A-B7C9-0C46-97D1-1DB9C8C85215}"/>
               </a:ext>
             </a:extLst>
           </p:cNvPr>
@@ -4654,7 +5388,7 @@
           <p:cNvPr id="17" name="Graphic 16">
             <a:extLst>
               <a:ext uri="{FF2B5EF4-FFF2-40B4-BE49-F238E27FC236}">
-                <a16:creationId xmlns="" xmlns:a16="http://schemas.microsoft.com/office/drawing/2014/main" id="{6AE425C8-279E-D14C-A350-756694D4E5A6}"/>
+                <a16:creationId xmlns:a16="http://schemas.microsoft.com/office/drawing/2014/main" xmlns="" id="{6AE425C8-279E-D14C-A350-756694D4E5A6}"/>
               </a:ext>
             </a:extLst>
           </p:cNvPr>
@@ -4667,7 +5401,7 @@
           <a:blip r:embed="rId8">
             <a:extLst>
               <a:ext uri="{96DAC541-7B7A-43D3-8B79-37D633B846F1}">
-                <asvg:svgBlip xmlns="" xmlns:asvg="http://schemas.microsoft.com/office/drawing/2016/SVG/main" r:embed="rId9"/>
+                <asvg:svgBlip xmlns:asvg="http://schemas.microsoft.com/office/drawing/2016/SVG/main" xmlns="" r:embed="rId9"/>
               </a:ext>
             </a:extLst>
           </a:blip>
@@ -4690,7 +5424,7 @@
           <p:cNvPr id="8" name="Picture 7">
             <a:extLst>
               <a:ext uri="{FF2B5EF4-FFF2-40B4-BE49-F238E27FC236}">
-                <a16:creationId xmlns="" xmlns:a16="http://schemas.microsoft.com/office/drawing/2014/main" id="{DFCD7A0B-833F-2348-AFD5-63C91BB6B1C7}"/>
+                <a16:creationId xmlns:a16="http://schemas.microsoft.com/office/drawing/2014/main" xmlns="" id="{DFCD7A0B-833F-2348-AFD5-63C91BB6B1C7}"/>
               </a:ext>
             </a:extLst>
           </p:cNvPr>
@@ -4720,7 +5454,7 @@
           <p:cNvPr id="2" name="Title Placeholder 1">
             <a:extLst>
               <a:ext uri="{FF2B5EF4-FFF2-40B4-BE49-F238E27FC236}">
-                <a16:creationId xmlns="" xmlns:a16="http://schemas.microsoft.com/office/drawing/2014/main" id="{6E23A4D2-6AEA-4D4B-A196-57E4312E7AF0}"/>
+                <a16:creationId xmlns:a16="http://schemas.microsoft.com/office/drawing/2014/main" xmlns="" id="{6E23A4D2-6AEA-4D4B-A196-57E4312E7AF0}"/>
               </a:ext>
             </a:extLst>
           </p:cNvPr>
@@ -4758,7 +5492,7 @@
           <p:cNvPr id="3" name="Text Placeholder 2">
             <a:extLst>
               <a:ext uri="{FF2B5EF4-FFF2-40B4-BE49-F238E27FC236}">
-                <a16:creationId xmlns="" xmlns:a16="http://schemas.microsoft.com/office/drawing/2014/main" id="{949EFD75-EDA9-4D48-A65C-1E8AAC9553E1}"/>
+                <a16:creationId xmlns:a16="http://schemas.microsoft.com/office/drawing/2014/main" xmlns="" id="{949EFD75-EDA9-4D48-A65C-1E8AAC9553E1}"/>
               </a:ext>
             </a:extLst>
           </p:cNvPr>
@@ -4825,7 +5559,7 @@
           <p:cNvPr id="4" name="Date Placeholder 3">
             <a:extLst>
               <a:ext uri="{FF2B5EF4-FFF2-40B4-BE49-F238E27FC236}">
-                <a16:creationId xmlns="" xmlns:a16="http://schemas.microsoft.com/office/drawing/2014/main" id="{88D0CCB4-FEA3-3F47-9B84-5FF4FDC992A2}"/>
+                <a16:creationId xmlns:a16="http://schemas.microsoft.com/office/drawing/2014/main" xmlns="" id="{88D0CCB4-FEA3-3F47-9B84-5FF4FDC992A2}"/>
               </a:ext>
             </a:extLst>
           </p:cNvPr>
@@ -4863,7 +5597,7 @@
             <a:fld id="{A0CEF12D-8022-E647-B033-82324AAEB22F}" type="datetime1">
               <a:rPr lang="en-GB" smtClean="0"/>
               <a:pPr/>
-              <a:t>28/03/2019</a:t>
+              <a:t>29/03/2019</a:t>
             </a:fld>
             <a:endParaRPr lang="en-US"/>
           </a:p>
@@ -4874,7 +5608,7 @@
           <p:cNvPr id="5" name="Footer Placeholder 4">
             <a:extLst>
               <a:ext uri="{FF2B5EF4-FFF2-40B4-BE49-F238E27FC236}">
-                <a16:creationId xmlns="" xmlns:a16="http://schemas.microsoft.com/office/drawing/2014/main" id="{A525BCCB-9CF8-3C41-9007-5D7A97003E16}"/>
+                <a16:creationId xmlns:a16="http://schemas.microsoft.com/office/drawing/2014/main" xmlns="" id="{A525BCCB-9CF8-3C41-9007-5D7A97003E16}"/>
               </a:ext>
             </a:extLst>
           </p:cNvPr>
@@ -4918,7 +5652,7 @@
           <p:cNvPr id="6" name="Slide Number Placeholder 5">
             <a:extLst>
               <a:ext uri="{FF2B5EF4-FFF2-40B4-BE49-F238E27FC236}">
-                <a16:creationId xmlns="" xmlns:a16="http://schemas.microsoft.com/office/drawing/2014/main" id="{6D0E48E0-D7D3-694B-B72B-F287A0765CDC}"/>
+                <a16:creationId xmlns:a16="http://schemas.microsoft.com/office/drawing/2014/main" xmlns="" id="{6D0E48E0-D7D3-694B-B72B-F287A0765CDC}"/>
               </a:ext>
             </a:extLst>
           </p:cNvPr>
@@ -5432,7 +6166,7 @@
           <p:cNvPr id="5" name="Content Placeholder 2">
             <a:extLst>
               <a:ext uri="{FF2B5EF4-FFF2-40B4-BE49-F238E27FC236}">
-                <a16:creationId xmlns="" xmlns:a16="http://schemas.microsoft.com/office/drawing/2014/main" id="{DC6C8768-7537-3342-9D26-63372750B171}"/>
+                <a16:creationId xmlns:a16="http://schemas.microsoft.com/office/drawing/2014/main" xmlns="" id="{DC6C8768-7537-3342-9D26-63372750B171}"/>
               </a:ext>
             </a:extLst>
           </p:cNvPr>
@@ -5969,7 +6703,7 @@
           <p:cNvPr id="5" name="Content Placeholder 2">
             <a:extLst>
               <a:ext uri="{FF2B5EF4-FFF2-40B4-BE49-F238E27FC236}">
-                <a16:creationId xmlns="" xmlns:a16="http://schemas.microsoft.com/office/drawing/2014/main" id="{DC6C8768-7537-3342-9D26-63372750B171}"/>
+                <a16:creationId xmlns:a16="http://schemas.microsoft.com/office/drawing/2014/main" xmlns="" id="{DC6C8768-7537-3342-9D26-63372750B171}"/>
               </a:ext>
             </a:extLst>
           </p:cNvPr>
@@ -6962,7 +7696,6 @@
               <a:rPr lang="en-GB" dirty="0"/>
               <a:t>output layers. </a:t>
             </a:r>
-            <a:endParaRPr lang="en-GB" dirty="0"/>
           </a:p>
           <a:p>
             <a:pPr marL="285750" indent="-285750">
@@ -7548,7 +8281,6 @@
               <a:rPr lang="en-GB" dirty="0"/>
               <a:t>PCA is mathematically defined as an orthogonal linear transformation that transforms the data to a new coordinate space such that the greatest variance (basically how widely the data is spread out) by some projection of the data comes to lie on the first coordinate (called the first principal component), the second greatest variance on the second coordinate, and so on. </a:t>
             </a:r>
-            <a:endParaRPr lang="en-GB" dirty="0"/>
           </a:p>
         </p:txBody>
       </p:sp>
@@ -7974,7 +8706,6 @@
               <a:rPr lang="en-GB" dirty="0"/>
               <a:t>), the covariance is positive. </a:t>
             </a:r>
-            <a:endParaRPr lang="en-GB" dirty="0"/>
           </a:p>
         </p:txBody>
       </p:sp>
@@ -8157,7 +8888,6 @@
               <a:rPr lang="en-GB" sz="3600" dirty="0"/>
               <a:t>)</a:t>
             </a:r>
-            <a:endParaRPr lang="en-GB" sz="3600" dirty="0"/>
           </a:p>
         </p:txBody>
       </p:sp>
@@ -8253,7 +8983,15 @@
             </a:r>
             <a:r>
               <a:rPr lang="en-GB" dirty="0" smtClean="0"/>
-              <a:t>The mathematics of the calculation can become calculated, however for our purposes to understand the intuition behind the algorithm we should know that eigenvectors </a:t>
+              <a:t>The mathematics of the calculation can become </a:t>
+            </a:r>
+            <a:r>
+              <a:rPr lang="en-GB" dirty="0" smtClean="0"/>
+              <a:t>complicated, </a:t>
+            </a:r>
+            <a:r>
+              <a:rPr lang="en-GB" dirty="0" smtClean="0"/>
+              <a:t>however for our purposes to understand the intuition behind the algorithm we should know that eigenvectors </a:t>
             </a:r>
             <a:r>
               <a:rPr lang="en-GB" dirty="0"/>
@@ -8587,11 +9325,7 @@
           <a:p>
             <a:r>
               <a:rPr lang="en-US" dirty="0" smtClean="0"/>
-              <a:t>Exercise 2: </a:t>
-            </a:r>
-            <a:r>
-              <a:rPr lang="en-US" dirty="0" smtClean="0"/>
-              <a:t>Applying PCA algorithm for Facial Recognition</a:t>
+              <a:t>Exercise 2: Applying PCA algorithm for Facial Recognition</a:t>
             </a:r>
             <a:endParaRPr lang="en-US" dirty="0"/>
           </a:p>
@@ -9410,6 +10144,233 @@
 </p:sld>
 </file>
 
+<file path=ppt/slides/slide29.xml><?xml version="1.0" encoding="utf-8"?>
+<p:sld xmlns:a="http://schemas.openxmlformats.org/drawingml/2006/main" xmlns:r="http://schemas.openxmlformats.org/officeDocument/2006/relationships" xmlns:p="http://schemas.openxmlformats.org/presentationml/2006/main">
+  <p:cSld>
+    <p:spTree>
+      <p:nvGrpSpPr>
+        <p:cNvPr id="1" name=""/>
+        <p:cNvGrpSpPr/>
+        <p:nvPr/>
+      </p:nvGrpSpPr>
+      <p:grpSpPr>
+        <a:xfrm>
+          <a:off x="0" y="0"/>
+          <a:ext cx="0" cy="0"/>
+          <a:chOff x="0" y="0"/>
+          <a:chExt cx="0" cy="0"/>
+        </a:xfrm>
+      </p:grpSpPr>
+      <p:sp>
+        <p:nvSpPr>
+          <p:cNvPr id="2" name="Title 1"/>
+          <p:cNvSpPr>
+            <a:spLocks noGrp="1"/>
+          </p:cNvSpPr>
+          <p:nvPr>
+            <p:ph type="title"/>
+          </p:nvPr>
+        </p:nvSpPr>
+        <p:spPr/>
+        <p:txBody>
+          <a:bodyPr/>
+          <a:lstStyle/>
+          <a:p>
+            <a:r>
+              <a:rPr lang="en-US" dirty="0"/>
+              <a:t>Practice Questions</a:t>
+            </a:r>
+          </a:p>
+        </p:txBody>
+      </p:sp>
+      <p:sp>
+        <p:nvSpPr>
+          <p:cNvPr id="3" name="Content Placeholder 2"/>
+          <p:cNvSpPr>
+            <a:spLocks noGrp="1"/>
+          </p:cNvSpPr>
+          <p:nvPr>
+            <p:ph idx="1"/>
+          </p:nvPr>
+        </p:nvSpPr>
+        <p:spPr/>
+        <p:txBody>
+          <a:bodyPr>
+            <a:normAutofit fontScale="85000" lnSpcReduction="20000"/>
+          </a:bodyPr>
+          <a:lstStyle/>
+          <a:p>
+            <a:pPr marL="0" lvl="0" indent="0">
+              <a:buNone/>
+            </a:pPr>
+            <a:r>
+              <a:rPr lang="en-US" dirty="0"/>
+              <a:t>1) </a:t>
+            </a:r>
+            <a:r>
+              <a:rPr lang="en-US" dirty="0" smtClean="0"/>
+              <a:t>Which one of the below is not a downside of having thousands of features?</a:t>
+            </a:r>
+            <a:endParaRPr lang="en-US" dirty="0"/>
+          </a:p>
+          <a:p>
+            <a:pPr lvl="1"/>
+            <a:r>
+              <a:rPr lang="en-US" dirty="0" smtClean="0"/>
+              <a:t>Curse of dimensionality</a:t>
+            </a:r>
+            <a:endParaRPr lang="en-US" dirty="0"/>
+          </a:p>
+          <a:p>
+            <a:pPr lvl="1"/>
+            <a:r>
+              <a:rPr lang="en-US" dirty="0" smtClean="0"/>
+              <a:t>Interpretability</a:t>
+            </a:r>
+            <a:endParaRPr lang="en-US" dirty="0"/>
+          </a:p>
+          <a:p>
+            <a:pPr lvl="1"/>
+            <a:r>
+              <a:rPr lang="en-US" dirty="0" smtClean="0"/>
+              <a:t>Increased bias (</a:t>
+            </a:r>
+            <a:r>
+              <a:rPr lang="en-US" dirty="0" err="1" smtClean="0"/>
+              <a:t>u</a:t>
+            </a:r>
+            <a:r>
+              <a:rPr lang="en-US" dirty="0" err="1" smtClean="0"/>
+              <a:t>nderfitting</a:t>
+            </a:r>
+            <a:r>
+              <a:rPr lang="en-US" dirty="0"/>
+              <a:t>)</a:t>
+            </a:r>
+            <a:endParaRPr lang="en-US" dirty="0"/>
+          </a:p>
+          <a:p>
+            <a:pPr marL="0" lvl="0" indent="0">
+              <a:buNone/>
+            </a:pPr>
+            <a:r>
+              <a:rPr lang="en-US" dirty="0"/>
+              <a:t>2) </a:t>
+            </a:r>
+            <a:r>
+              <a:rPr lang="en-US" dirty="0" smtClean="0"/>
+              <a:t>Which one is a dimensionality reduction algorithm?</a:t>
+            </a:r>
+            <a:endParaRPr lang="en-US" dirty="0"/>
+          </a:p>
+          <a:p>
+            <a:pPr lvl="1"/>
+            <a:r>
+              <a:rPr lang="en-US" dirty="0" smtClean="0"/>
+              <a:t>Non-negative matrix factorization</a:t>
+            </a:r>
+            <a:endParaRPr lang="en-US" dirty="0"/>
+          </a:p>
+          <a:p>
+            <a:pPr lvl="1"/>
+            <a:r>
+              <a:rPr lang="en-US" dirty="0" smtClean="0"/>
+              <a:t>Linear regression</a:t>
+            </a:r>
+            <a:endParaRPr lang="en-US" dirty="0"/>
+          </a:p>
+          <a:p>
+            <a:pPr lvl="1"/>
+            <a:r>
+              <a:rPr lang="en-US" dirty="0" smtClean="0"/>
+              <a:t>Random Forest</a:t>
+            </a:r>
+            <a:endParaRPr lang="en-US" dirty="0"/>
+          </a:p>
+          <a:p>
+            <a:pPr marL="0" lvl="0" indent="0">
+              <a:buNone/>
+            </a:pPr>
+            <a:r>
+              <a:rPr lang="en-US" dirty="0"/>
+              <a:t>3) </a:t>
+            </a:r>
+            <a:r>
+              <a:rPr lang="en-US" dirty="0" smtClean="0"/>
+              <a:t>Which layer in a </a:t>
+            </a:r>
+            <a:r>
+              <a:rPr lang="en-US" dirty="0" err="1" smtClean="0"/>
+              <a:t>autoencoder</a:t>
+            </a:r>
+            <a:r>
+              <a:rPr lang="en-US" dirty="0" smtClean="0"/>
+              <a:t> creates a bottle-neck that is used to compress input data?</a:t>
+            </a:r>
+            <a:endParaRPr lang="en-US" dirty="0"/>
+          </a:p>
+          <a:p>
+            <a:pPr lvl="1"/>
+            <a:r>
+              <a:rPr lang="en-US" dirty="0" smtClean="0"/>
+              <a:t>Input layer</a:t>
+            </a:r>
+            <a:endParaRPr lang="en-US" dirty="0"/>
+          </a:p>
+          <a:p>
+            <a:pPr lvl="1"/>
+            <a:r>
+              <a:rPr lang="en-US" dirty="0" smtClean="0"/>
+              <a:t>Hidden layer</a:t>
+            </a:r>
+          </a:p>
+          <a:p>
+            <a:pPr lvl="1"/>
+            <a:r>
+              <a:rPr lang="en-US" dirty="0" smtClean="0"/>
+              <a:t>Output layer</a:t>
+            </a:r>
+            <a:endParaRPr lang="en-US" dirty="0"/>
+          </a:p>
+        </p:txBody>
+      </p:sp>
+      <p:sp>
+        <p:nvSpPr>
+          <p:cNvPr id="4" name="Slide Number Placeholder 3"/>
+          <p:cNvSpPr>
+            <a:spLocks noGrp="1"/>
+          </p:cNvSpPr>
+          <p:nvPr>
+            <p:ph type="sldNum" sz="quarter" idx="4"/>
+          </p:nvPr>
+        </p:nvSpPr>
+        <p:spPr/>
+        <p:txBody>
+          <a:bodyPr/>
+          <a:lstStyle/>
+          <a:p>
+            <a:fld id="{2D5587A6-0F28-234D-9116-41BE2E1A2AC2}" type="slidenum">
+              <a:rPr lang="en-US" smtClean="0"/>
+              <a:pPr/>
+              <a:t>29</a:t>
+            </a:fld>
+            <a:endParaRPr lang="en-US" dirty="0"/>
+          </a:p>
+        </p:txBody>
+      </p:sp>
+    </p:spTree>
+    <p:extLst>
+      <p:ext uri="{BB962C8B-B14F-4D97-AF65-F5344CB8AC3E}">
+        <p14:creationId xmlns:p14="http://schemas.microsoft.com/office/powerpoint/2010/main" val="3846189369"/>
+      </p:ext>
+    </p:extLst>
+  </p:cSld>
+  <p:clrMapOvr>
+    <a:masterClrMapping/>
+  </p:clrMapOvr>
+</p:sld>
+</file>
+
 <file path=ppt/slides/slide3.xml><?xml version="1.0" encoding="utf-8"?>
 <p:sld xmlns:a="http://schemas.openxmlformats.org/drawingml/2006/main" xmlns:r="http://schemas.openxmlformats.org/officeDocument/2006/relationships" xmlns:p="http://schemas.openxmlformats.org/presentationml/2006/main">
   <p:cSld>
@@ -9552,6 +10513,439 @@
     <p:extLst>
       <p:ext uri="{BB962C8B-B14F-4D97-AF65-F5344CB8AC3E}">
         <p14:creationId xmlns:p14="http://schemas.microsoft.com/office/powerpoint/2010/main" val="1692412564"/>
+      </p:ext>
+    </p:extLst>
+  </p:cSld>
+  <p:clrMapOvr>
+    <a:masterClrMapping/>
+  </p:clrMapOvr>
+</p:sld>
+</file>
+
+<file path=ppt/slides/slide30.xml><?xml version="1.0" encoding="utf-8"?>
+<p:sld xmlns:a="http://schemas.openxmlformats.org/drawingml/2006/main" xmlns:r="http://schemas.openxmlformats.org/officeDocument/2006/relationships" xmlns:p="http://schemas.openxmlformats.org/presentationml/2006/main">
+  <p:cSld>
+    <p:spTree>
+      <p:nvGrpSpPr>
+        <p:cNvPr id="1" name=""/>
+        <p:cNvGrpSpPr/>
+        <p:nvPr/>
+      </p:nvGrpSpPr>
+      <p:grpSpPr>
+        <a:xfrm>
+          <a:off x="0" y="0"/>
+          <a:ext cx="0" cy="0"/>
+          <a:chOff x="0" y="0"/>
+          <a:chExt cx="0" cy="0"/>
+        </a:xfrm>
+      </p:grpSpPr>
+      <p:sp>
+        <p:nvSpPr>
+          <p:cNvPr id="2" name="Title 1"/>
+          <p:cNvSpPr>
+            <a:spLocks noGrp="1"/>
+          </p:cNvSpPr>
+          <p:nvPr>
+            <p:ph type="title"/>
+          </p:nvPr>
+        </p:nvSpPr>
+        <p:spPr/>
+        <p:txBody>
+          <a:bodyPr/>
+          <a:lstStyle/>
+          <a:p>
+            <a:r>
+              <a:rPr lang="en-US" dirty="0"/>
+              <a:t>Practice Questions</a:t>
+            </a:r>
+          </a:p>
+        </p:txBody>
+      </p:sp>
+      <p:sp>
+        <p:nvSpPr>
+          <p:cNvPr id="3" name="Content Placeholder 2"/>
+          <p:cNvSpPr>
+            <a:spLocks noGrp="1"/>
+          </p:cNvSpPr>
+          <p:nvPr>
+            <p:ph idx="1"/>
+          </p:nvPr>
+        </p:nvSpPr>
+        <p:spPr>
+          <a:xfrm>
+            <a:off x="648000" y="1404000"/>
+            <a:ext cx="10800000" cy="5193352"/>
+          </a:xfrm>
+        </p:spPr>
+        <p:txBody>
+          <a:bodyPr>
+            <a:normAutofit/>
+          </a:bodyPr>
+          <a:lstStyle/>
+          <a:p>
+            <a:pPr marL="0" lvl="0" indent="0">
+              <a:buNone/>
+            </a:pPr>
+            <a:r>
+              <a:rPr lang="en-US" dirty="0"/>
+              <a:t>4) </a:t>
+            </a:r>
+            <a:r>
+              <a:rPr lang="en-US" dirty="0" smtClean="0"/>
+              <a:t>Which one of the below is a non-linear dimensionality reduction algorithm?</a:t>
+            </a:r>
+          </a:p>
+          <a:p>
+            <a:pPr lvl="1"/>
+            <a:r>
+              <a:rPr lang="en-US" dirty="0" smtClean="0"/>
+              <a:t>LDA</a:t>
+            </a:r>
+            <a:endParaRPr lang="en-US" dirty="0"/>
+          </a:p>
+          <a:p>
+            <a:pPr lvl="1"/>
+            <a:r>
+              <a:rPr lang="en-US" dirty="0" smtClean="0"/>
+              <a:t>PCA</a:t>
+            </a:r>
+          </a:p>
+          <a:p>
+            <a:pPr lvl="1"/>
+            <a:r>
+              <a:rPr lang="en-US" dirty="0" smtClean="0"/>
+              <a:t>T-SNE</a:t>
+            </a:r>
+            <a:endParaRPr lang="en-US" dirty="0"/>
+          </a:p>
+          <a:p>
+            <a:pPr marL="0" indent="0">
+              <a:buNone/>
+            </a:pPr>
+            <a:r>
+              <a:rPr lang="en-US" dirty="0" smtClean="0"/>
+              <a:t>5) </a:t>
+            </a:r>
+            <a:r>
+              <a:rPr lang="en-US" dirty="0" smtClean="0"/>
+              <a:t>What </a:t>
+            </a:r>
+            <a:r>
+              <a:rPr lang="en-US" dirty="0"/>
+              <a:t>is the characteristic of the first component in a PCA algorithm</a:t>
+            </a:r>
+            <a:r>
+              <a:rPr lang="en-US" dirty="0" smtClean="0"/>
+              <a:t>?</a:t>
+            </a:r>
+            <a:endParaRPr lang="en-US" dirty="0" smtClean="0"/>
+          </a:p>
+          <a:p>
+            <a:pPr lvl="1"/>
+            <a:r>
+              <a:rPr lang="en-US" dirty="0"/>
+              <a:t>It has the most variance </a:t>
+            </a:r>
+          </a:p>
+          <a:p>
+            <a:pPr lvl="1"/>
+            <a:r>
+              <a:rPr lang="en-US" dirty="0"/>
+              <a:t>It has lowest log-loss error</a:t>
+            </a:r>
+          </a:p>
+          <a:p>
+            <a:pPr marL="0" lvl="0" indent="0">
+              <a:buNone/>
+            </a:pPr>
+            <a:r>
+              <a:rPr lang="en-US" dirty="0" smtClean="0"/>
+              <a:t>6</a:t>
+            </a:r>
+            <a:r>
+              <a:rPr lang="en-US" dirty="0"/>
+              <a:t>) </a:t>
+            </a:r>
+            <a:r>
+              <a:rPr lang="en-US" dirty="0" smtClean="0"/>
+              <a:t>What do we try to maximize when fitting a PCA algorithm?</a:t>
+            </a:r>
+            <a:endParaRPr lang="en-US" dirty="0"/>
+          </a:p>
+          <a:p>
+            <a:pPr lvl="1"/>
+            <a:r>
+              <a:rPr lang="en-US" dirty="0" smtClean="0"/>
+              <a:t>Explained variance</a:t>
+            </a:r>
+            <a:endParaRPr lang="en-US" dirty="0"/>
+          </a:p>
+          <a:p>
+            <a:pPr lvl="1"/>
+            <a:r>
+              <a:rPr lang="en-US" dirty="0" smtClean="0"/>
+              <a:t>Mean square error</a:t>
+            </a:r>
+            <a:endParaRPr lang="en-US" dirty="0"/>
+          </a:p>
+        </p:txBody>
+      </p:sp>
+      <p:sp>
+        <p:nvSpPr>
+          <p:cNvPr id="4" name="Slide Number Placeholder 3"/>
+          <p:cNvSpPr>
+            <a:spLocks noGrp="1"/>
+          </p:cNvSpPr>
+          <p:nvPr>
+            <p:ph type="sldNum" sz="quarter" idx="4"/>
+          </p:nvPr>
+        </p:nvSpPr>
+        <p:spPr/>
+        <p:txBody>
+          <a:bodyPr/>
+          <a:lstStyle/>
+          <a:p>
+            <a:fld id="{2D5587A6-0F28-234D-9116-41BE2E1A2AC2}" type="slidenum">
+              <a:rPr lang="en-US" smtClean="0"/>
+              <a:pPr/>
+              <a:t>30</a:t>
+            </a:fld>
+            <a:endParaRPr lang="en-US" dirty="0"/>
+          </a:p>
+        </p:txBody>
+      </p:sp>
+    </p:spTree>
+    <p:extLst>
+      <p:ext uri="{BB962C8B-B14F-4D97-AF65-F5344CB8AC3E}">
+        <p14:creationId xmlns:p14="http://schemas.microsoft.com/office/powerpoint/2010/main" val="2425282750"/>
+      </p:ext>
+    </p:extLst>
+  </p:cSld>
+  <p:clrMapOvr>
+    <a:masterClrMapping/>
+  </p:clrMapOvr>
+</p:sld>
+</file>
+
+<file path=ppt/slides/slide31.xml><?xml version="1.0" encoding="utf-8"?>
+<p:sld xmlns:a="http://schemas.openxmlformats.org/drawingml/2006/main" xmlns:r="http://schemas.openxmlformats.org/officeDocument/2006/relationships" xmlns:p="http://schemas.openxmlformats.org/presentationml/2006/main">
+  <p:cSld>
+    <p:spTree>
+      <p:nvGrpSpPr>
+        <p:cNvPr id="1" name=""/>
+        <p:cNvGrpSpPr/>
+        <p:nvPr/>
+      </p:nvGrpSpPr>
+      <p:grpSpPr>
+        <a:xfrm>
+          <a:off x="0" y="0"/>
+          <a:ext cx="0" cy="0"/>
+          <a:chOff x="0" y="0"/>
+          <a:chExt cx="0" cy="0"/>
+        </a:xfrm>
+      </p:grpSpPr>
+      <p:sp>
+        <p:nvSpPr>
+          <p:cNvPr id="2" name="Title 1"/>
+          <p:cNvSpPr>
+            <a:spLocks noGrp="1"/>
+          </p:cNvSpPr>
+          <p:nvPr>
+            <p:ph type="title"/>
+          </p:nvPr>
+        </p:nvSpPr>
+        <p:spPr/>
+        <p:txBody>
+          <a:bodyPr/>
+          <a:lstStyle/>
+          <a:p>
+            <a:r>
+              <a:rPr lang="en-US" dirty="0"/>
+              <a:t>Practice Questions</a:t>
+            </a:r>
+          </a:p>
+        </p:txBody>
+      </p:sp>
+      <p:sp>
+        <p:nvSpPr>
+          <p:cNvPr id="3" name="Content Placeholder 2"/>
+          <p:cNvSpPr>
+            <a:spLocks noGrp="1"/>
+          </p:cNvSpPr>
+          <p:nvPr>
+            <p:ph idx="1"/>
+          </p:nvPr>
+        </p:nvSpPr>
+        <p:spPr>
+          <a:xfrm>
+            <a:off x="648000" y="1215360"/>
+            <a:ext cx="10800000" cy="5454000"/>
+          </a:xfrm>
+        </p:spPr>
+        <p:txBody>
+          <a:bodyPr>
+            <a:normAutofit fontScale="85000" lnSpcReduction="10000"/>
+          </a:bodyPr>
+          <a:lstStyle/>
+          <a:p>
+            <a:pPr marL="0" lvl="0" indent="0">
+              <a:buNone/>
+            </a:pPr>
+            <a:r>
+              <a:rPr lang="en-US" dirty="0"/>
+              <a:t>7) </a:t>
+            </a:r>
+            <a:r>
+              <a:rPr lang="en-US" dirty="0" smtClean="0"/>
+              <a:t>Which one of the below </a:t>
+            </a:r>
+            <a:r>
+              <a:rPr lang="en-GB" dirty="0" smtClean="0"/>
+              <a:t>can </a:t>
+            </a:r>
+            <a:r>
+              <a:rPr lang="en-GB" dirty="0"/>
+              <a:t>tell us about the direction of maximum </a:t>
+            </a:r>
+            <a:r>
+              <a:rPr lang="en-GB" dirty="0" smtClean="0"/>
+              <a:t>variance?</a:t>
+            </a:r>
+            <a:endParaRPr lang="en-US" dirty="0" smtClean="0"/>
+          </a:p>
+          <a:p>
+            <a:pPr lvl="1"/>
+            <a:r>
+              <a:rPr lang="en-US" dirty="0" smtClean="0"/>
+              <a:t>Eigenvectors</a:t>
+            </a:r>
+          </a:p>
+          <a:p>
+            <a:pPr lvl="1"/>
+            <a:r>
+              <a:rPr lang="en-US" dirty="0" smtClean="0"/>
+              <a:t>Mean of the vector</a:t>
+            </a:r>
+          </a:p>
+          <a:p>
+            <a:pPr lvl="1"/>
+            <a:r>
+              <a:rPr lang="en-US" dirty="0" smtClean="0"/>
+              <a:t>Eigenvalues</a:t>
+            </a:r>
+            <a:endParaRPr lang="en-US" dirty="0" smtClean="0"/>
+          </a:p>
+          <a:p>
+            <a:pPr marL="0" lvl="0" indent="0">
+              <a:buNone/>
+            </a:pPr>
+            <a:r>
+              <a:rPr lang="en-US" dirty="0" smtClean="0"/>
+              <a:t>8</a:t>
+            </a:r>
+            <a:r>
+              <a:rPr lang="en-US" dirty="0"/>
+              <a:t>) </a:t>
+            </a:r>
+            <a:r>
+              <a:rPr lang="en-US" dirty="0" smtClean="0"/>
+              <a:t>How can we determine the best number of components/features to reduce our dataset?</a:t>
+            </a:r>
+            <a:endParaRPr lang="en-US" dirty="0"/>
+          </a:p>
+          <a:p>
+            <a:pPr lvl="1"/>
+            <a:r>
+              <a:rPr lang="en-US" dirty="0" smtClean="0"/>
+              <a:t>Calculating explained variance by number of components and identifying the plateau of diminishing returns </a:t>
+            </a:r>
+            <a:endParaRPr lang="en-US" dirty="0"/>
+          </a:p>
+          <a:p>
+            <a:pPr lvl="1"/>
+            <a:r>
+              <a:rPr lang="en-US" dirty="0" smtClean="0"/>
+              <a:t>Finding out the maximum eigenvector and the corresponding component</a:t>
+            </a:r>
+          </a:p>
+          <a:p>
+            <a:pPr marL="0" lvl="0" indent="0">
+              <a:buNone/>
+            </a:pPr>
+            <a:r>
+              <a:rPr lang="en-US" dirty="0" smtClean="0"/>
+              <a:t>9) PCA Algorithm is susceptible to large values. What would be a good way to alleviate this?</a:t>
+            </a:r>
+          </a:p>
+          <a:p>
+            <a:pPr lvl="1"/>
+            <a:r>
+              <a:rPr lang="en-US" dirty="0" smtClean="0"/>
+              <a:t>Normalization/scaling of data</a:t>
+            </a:r>
+          </a:p>
+          <a:p>
+            <a:pPr lvl="1"/>
+            <a:r>
+              <a:rPr lang="en-US" dirty="0" smtClean="0"/>
+              <a:t>Mean-centering</a:t>
+            </a:r>
+          </a:p>
+          <a:p>
+            <a:pPr marL="0" lvl="0" indent="0">
+              <a:buNone/>
+            </a:pPr>
+            <a:r>
+              <a:rPr lang="en-US" dirty="0" smtClean="0"/>
+              <a:t>10) Which one would be a good use case for PCA algorithm?</a:t>
+            </a:r>
+          </a:p>
+          <a:p>
+            <a:pPr lvl="1"/>
+            <a:r>
+              <a:rPr lang="en-US" dirty="0" smtClean="0"/>
+              <a:t>Identifying different cluster of objects within an image</a:t>
+            </a:r>
+            <a:endParaRPr lang="en-US" dirty="0"/>
+          </a:p>
+          <a:p>
+            <a:pPr lvl="1"/>
+            <a:r>
+              <a:rPr lang="en-US" dirty="0" smtClean="0"/>
+              <a:t>Reduce size of images prior to image recognition</a:t>
+            </a:r>
+            <a:endParaRPr lang="en-US" dirty="0"/>
+          </a:p>
+        </p:txBody>
+      </p:sp>
+      <p:sp>
+        <p:nvSpPr>
+          <p:cNvPr id="4" name="Slide Number Placeholder 3"/>
+          <p:cNvSpPr>
+            <a:spLocks noGrp="1"/>
+          </p:cNvSpPr>
+          <p:nvPr>
+            <p:ph type="sldNum" sz="quarter" idx="4"/>
+          </p:nvPr>
+        </p:nvSpPr>
+        <p:spPr/>
+        <p:txBody>
+          <a:bodyPr/>
+          <a:lstStyle/>
+          <a:p>
+            <a:fld id="{2D5587A6-0F28-234D-9116-41BE2E1A2AC2}" type="slidenum">
+              <a:rPr lang="en-US" smtClean="0"/>
+              <a:pPr/>
+              <a:t>31</a:t>
+            </a:fld>
+            <a:endParaRPr lang="en-US" dirty="0"/>
+          </a:p>
+        </p:txBody>
+      </p:sp>
+    </p:spTree>
+    <p:extLst>
+      <p:ext uri="{BB962C8B-B14F-4D97-AF65-F5344CB8AC3E}">
+        <p14:creationId xmlns:p14="http://schemas.microsoft.com/office/powerpoint/2010/main" val="2677167312"/>
       </p:ext>
     </p:extLst>
   </p:cSld>
@@ -9667,7 +11061,7 @@
           <p:cNvPr id="5" name="Content Placeholder 2">
             <a:extLst>
               <a:ext uri="{FF2B5EF4-FFF2-40B4-BE49-F238E27FC236}">
-                <a16:creationId xmlns="" xmlns:a16="http://schemas.microsoft.com/office/drawing/2014/main" id="{DC6C8768-7537-3342-9D26-63372750B171}"/>
+                <a16:creationId xmlns:a16="http://schemas.microsoft.com/office/drawing/2014/main" xmlns="" id="{DC6C8768-7537-3342-9D26-63372750B171}"/>
               </a:ext>
             </a:extLst>
           </p:cNvPr>
@@ -9999,7 +11393,7 @@
           <p:cNvPr id="5" name="Content Placeholder 2">
             <a:extLst>
               <a:ext uri="{FF2B5EF4-FFF2-40B4-BE49-F238E27FC236}">
-                <a16:creationId xmlns="" xmlns:a16="http://schemas.microsoft.com/office/drawing/2014/main" id="{DC6C8768-7537-3342-9D26-63372750B171}"/>
+                <a16:creationId xmlns:a16="http://schemas.microsoft.com/office/drawing/2014/main" xmlns="" id="{DC6C8768-7537-3342-9D26-63372750B171}"/>
               </a:ext>
             </a:extLst>
           </p:cNvPr>
